--- a/vk/05-03-2025.pptx
+++ b/vk/05-03-2025.pptx
@@ -4,7 +4,7 @@
   <p:sldMasterIdLst>
     <p:sldMasterId id="2147483648" r:id="rId2"/>
     <p:sldMasterId id="2147483650" r:id="rId3"/>
-    <p:sldMasterId id="2147483653" r:id="rId4"/>
+    <p:sldMasterId id="2147483654" r:id="rId4"/>
   </p:sldMasterIdLst>
   <p:sldIdLst>
     <p:sldId id="256" r:id="rId5"/>
@@ -60,7 +60,7 @@
         </p:spPr>
         <p:txBody>
           <a:bodyPr lIns="0" rIns="0" tIns="0" bIns="0" anchor="ctr">
-            <a:noAutofit/>
+            <a:spAutoFit/>
           </a:bodyPr>
           <a:p>
             <a:pPr indent="0" algn="ctr">
@@ -70,6 +70,7 @@
               <a:solidFill>
                 <a:srgbClr val="000000"/>
               </a:solidFill>
+              <a:effectLst/>
               <a:uFillTx/>
               <a:latin typeface="Arial"/>
             </a:endParaRPr>
@@ -114,6 +115,7 @@
               <a:solidFill>
                 <a:srgbClr val="000000"/>
               </a:solidFill>
+              <a:effectLst/>
               <a:uFillTx/>
               <a:latin typeface="Arial"/>
             </a:endParaRPr>
@@ -134,7 +136,7 @@
         <p:txBody>
           <a:bodyPr/>
           <a:p>
-            <a:fld id="{21ABA65F-4300-49D4-AF0B-103A96ED7BB7}" type="slidenum">
+            <a:fld id="{799A63D6-6141-494F-B369-1B4FC52181C8}" type="slidenum">
               <a:t>&lt;#&gt;</a:t>
             </a:fld>
           </a:p>
@@ -148,6 +150,13 @@
 <file path=ppt/slideLayouts/slideLayout2.xml><?xml version="1.0" encoding="utf-8"?>
 <p:sldLayout xmlns:a="http://schemas.openxmlformats.org/drawingml/2006/main" xmlns:p="http://schemas.openxmlformats.org/presentationml/2006/main" xmlns:r="http://schemas.openxmlformats.org/officeDocument/2006/relationships" xmlns:p14="http://schemas.microsoft.com/office/powerpoint/2010/main" xmlns:p15="http://schemas.microsoft.com/office/powerpoint/2012/main" xmlns:mc="http://schemas.openxmlformats.org/markup-compatibility/2006" type="tx" preserve="1">
   <p:cSld name="Content">
+    <p:bg>
+      <p:bgPr>
+        <a:solidFill>
+          <a:srgbClr val="ffffff"/>
+        </a:solidFill>
+      </p:bgPr>
+    </p:bg>
     <p:spTree>
       <p:nvGrpSpPr>
         <p:cNvPr id="1" name=""/>
@@ -162,9 +171,58 @@
           <a:chExt cx="0" cy="0"/>
         </a:xfrm>
       </p:grpSpPr>
+      <p:pic>
+        <p:nvPicPr>
+          <p:cNvPr id="9" name="Google Shape;6;p1" descr=""/>
+          <p:cNvPicPr/>
+          <p:nvPr/>
+        </p:nvPicPr>
+        <p:blipFill>
+          <a:blip r:embed="rId2"/>
+          <a:srcRect l="0" t="55" r="0" b="55"/>
+          <a:stretch/>
+        </p:blipFill>
+        <p:spPr>
+          <a:xfrm>
+            <a:off x="333000" y="1118520"/>
+            <a:ext cx="11932200" cy="4442760"/>
+          </a:xfrm>
+          <a:prstGeom prst="rect">
+            <a:avLst/>
+          </a:prstGeom>
+          <a:noFill/>
+          <a:ln w="0">
+            <a:noFill/>
+          </a:ln>
+        </p:spPr>
+      </p:pic>
+      <p:pic>
+        <p:nvPicPr>
+          <p:cNvPr id="10" name="Google Shape;8;p1" descr="Image"/>
+          <p:cNvPicPr/>
+          <p:nvPr/>
+        </p:nvPicPr>
+        <p:blipFill>
+          <a:blip r:embed="rId3"/>
+          <a:stretch/>
+        </p:blipFill>
+        <p:spPr>
+          <a:xfrm>
+            <a:off x="7068600" y="359640"/>
+            <a:ext cx="1633680" cy="419400"/>
+          </a:xfrm>
+          <a:prstGeom prst="rect">
+            <a:avLst/>
+          </a:prstGeom>
+          <a:noFill/>
+          <a:ln w="0">
+            <a:noFill/>
+          </a:ln>
+        </p:spPr>
+      </p:pic>
       <p:sp>
         <p:nvSpPr>
-          <p:cNvPr id="14" name="PlaceHolder 1"/>
+          <p:cNvPr id="11" name="PlaceHolder 1"/>
           <p:cNvSpPr>
             <a:spLocks noGrp="1"/>
           </p:cNvSpPr>
@@ -175,7 +233,7 @@
         <p:spPr>
           <a:xfrm>
             <a:off x="457200" y="205200"/>
-            <a:ext cx="8229240" cy="858600"/>
+            <a:ext cx="8228880" cy="858240"/>
           </a:xfrm>
           <a:prstGeom prst="rect">
             <a:avLst/>
@@ -190,13 +248,25 @@
             <a:noAutofit/>
           </a:bodyPr>
           <a:p>
-            <a:pPr indent="0" algn="ctr">
+            <a:pPr indent="0">
               <a:buNone/>
             </a:pPr>
-            <a:endParaRPr b="0" lang="en-US" sz="4400" strike="noStrike" u="none">
-              <a:solidFill>
-                <a:srgbClr val="000000"/>
-              </a:solidFill>
+            <a:r>
+              <a:rPr b="0" lang="en-US" sz="1800" strike="noStrike" u="none">
+                <a:solidFill>
+                  <a:srgbClr val="000000"/>
+                </a:solidFill>
+                <a:effectLst/>
+                <a:uFillTx/>
+                <a:latin typeface="Arial"/>
+              </a:rPr>
+              <a:t>Click to edit the title text format</a:t>
+            </a:r>
+            <a:endParaRPr b="0" lang="en-US" sz="1800" strike="noStrike" u="none">
+              <a:solidFill>
+                <a:srgbClr val="000000"/>
+              </a:solidFill>
+              <a:effectLst/>
               <a:uFillTx/>
               <a:latin typeface="Arial"/>
             </a:endParaRPr>
@@ -205,18 +275,18 @@
       </p:sp>
       <p:sp>
         <p:nvSpPr>
-          <p:cNvPr id="15" name="PlaceHolder 2"/>
+          <p:cNvPr id="12" name="PlaceHolder 2"/>
           <p:cNvSpPr>
             <a:spLocks noGrp="1"/>
           </p:cNvSpPr>
           <p:nvPr>
-            <p:ph/>
+            <p:ph type="body"/>
           </p:nvPr>
         </p:nvSpPr>
         <p:spPr>
           <a:xfrm>
             <a:off x="457200" y="1203480"/>
-            <a:ext cx="8229240" cy="2982960"/>
+            <a:ext cx="8228880" cy="2982600"/>
           </a:xfrm>
           <a:prstGeom prst="rect">
             <a:avLst/>
@@ -231,16 +301,225 @@
             <a:normAutofit/>
           </a:bodyPr>
           <a:p>
-            <a:pPr indent="0">
+            <a:pPr marL="432000" indent="-324000">
               <a:spcBef>
                 <a:spcPts val="1417"/>
               </a:spcBef>
-              <a:buNone/>
-            </a:pPr>
-            <a:endParaRPr b="0" lang="en-US" sz="3200" strike="noStrike" u="none">
-              <a:solidFill>
-                <a:srgbClr val="000000"/>
-              </a:solidFill>
+              <a:buClr>
+                <a:srgbClr val="000000"/>
+              </a:buClr>
+              <a:buSzPct val="45000"/>
+              <a:buFont typeface="Wingdings" charset="2"/>
+              <a:buChar char=""/>
+            </a:pPr>
+            <a:r>
+              <a:rPr b="0" lang="en-US" sz="1800" strike="noStrike" u="none">
+                <a:solidFill>
+                  <a:srgbClr val="000000"/>
+                </a:solidFill>
+                <a:effectLst/>
+                <a:uFillTx/>
+                <a:latin typeface="Arial"/>
+              </a:rPr>
+              <a:t>Click to edit the outline text format</a:t>
+            </a:r>
+            <a:endParaRPr b="0" lang="en-US" sz="1800" strike="noStrike" u="none">
+              <a:solidFill>
+                <a:srgbClr val="000000"/>
+              </a:solidFill>
+              <a:effectLst/>
+              <a:uFillTx/>
+              <a:latin typeface="Arial"/>
+            </a:endParaRPr>
+          </a:p>
+          <a:p>
+            <a:pPr lvl="1" marL="864000" indent="-324000">
+              <a:spcBef>
+                <a:spcPts val="1134"/>
+              </a:spcBef>
+              <a:buClr>
+                <a:srgbClr val="000000"/>
+              </a:buClr>
+              <a:buSzPct val="75000"/>
+              <a:buFont typeface="Symbol" charset="2"/>
+              <a:buChar char=""/>
+            </a:pPr>
+            <a:r>
+              <a:rPr b="0" lang="en-US" sz="1800" strike="noStrike" u="none">
+                <a:solidFill>
+                  <a:srgbClr val="000000"/>
+                </a:solidFill>
+                <a:effectLst/>
+                <a:uFillTx/>
+                <a:latin typeface="Arial"/>
+              </a:rPr>
+              <a:t>Second Outline Level</a:t>
+            </a:r>
+            <a:endParaRPr b="0" lang="en-US" sz="1800" strike="noStrike" u="none">
+              <a:solidFill>
+                <a:srgbClr val="000000"/>
+              </a:solidFill>
+              <a:effectLst/>
+              <a:uFillTx/>
+              <a:latin typeface="Arial"/>
+            </a:endParaRPr>
+          </a:p>
+          <a:p>
+            <a:pPr lvl="2" marL="1296000" indent="-288000">
+              <a:spcBef>
+                <a:spcPts val="850"/>
+              </a:spcBef>
+              <a:buClr>
+                <a:srgbClr val="000000"/>
+              </a:buClr>
+              <a:buSzPct val="45000"/>
+              <a:buFont typeface="Wingdings" charset="2"/>
+              <a:buChar char=""/>
+            </a:pPr>
+            <a:r>
+              <a:rPr b="0" lang="en-US" sz="1800" strike="noStrike" u="none">
+                <a:solidFill>
+                  <a:srgbClr val="000000"/>
+                </a:solidFill>
+                <a:effectLst/>
+                <a:uFillTx/>
+                <a:latin typeface="Arial"/>
+              </a:rPr>
+              <a:t>Third Outline Level</a:t>
+            </a:r>
+            <a:endParaRPr b="0" lang="en-US" sz="1800" strike="noStrike" u="none">
+              <a:solidFill>
+                <a:srgbClr val="000000"/>
+              </a:solidFill>
+              <a:effectLst/>
+              <a:uFillTx/>
+              <a:latin typeface="Arial"/>
+            </a:endParaRPr>
+          </a:p>
+          <a:p>
+            <a:pPr lvl="3" marL="1728000" indent="-216000">
+              <a:spcBef>
+                <a:spcPts val="567"/>
+              </a:spcBef>
+              <a:buClr>
+                <a:srgbClr val="000000"/>
+              </a:buClr>
+              <a:buSzPct val="75000"/>
+              <a:buFont typeface="Symbol" charset="2"/>
+              <a:buChar char=""/>
+            </a:pPr>
+            <a:r>
+              <a:rPr b="0" lang="en-US" sz="1800" strike="noStrike" u="none">
+                <a:solidFill>
+                  <a:srgbClr val="000000"/>
+                </a:solidFill>
+                <a:effectLst/>
+                <a:uFillTx/>
+                <a:latin typeface="Arial"/>
+              </a:rPr>
+              <a:t>Fourth Outline Level</a:t>
+            </a:r>
+            <a:endParaRPr b="0" lang="en-US" sz="1800" strike="noStrike" u="none">
+              <a:solidFill>
+                <a:srgbClr val="000000"/>
+              </a:solidFill>
+              <a:effectLst/>
+              <a:uFillTx/>
+              <a:latin typeface="Arial"/>
+            </a:endParaRPr>
+          </a:p>
+          <a:p>
+            <a:pPr lvl="4" marL="2160000" indent="-216000">
+              <a:spcBef>
+                <a:spcPts val="283"/>
+              </a:spcBef>
+              <a:buClr>
+                <a:srgbClr val="000000"/>
+              </a:buClr>
+              <a:buSzPct val="45000"/>
+              <a:buFont typeface="Wingdings" charset="2"/>
+              <a:buChar char=""/>
+            </a:pPr>
+            <a:r>
+              <a:rPr b="0" lang="en-US" sz="1800" strike="noStrike" u="none">
+                <a:solidFill>
+                  <a:srgbClr val="000000"/>
+                </a:solidFill>
+                <a:effectLst/>
+                <a:uFillTx/>
+                <a:latin typeface="Arial"/>
+              </a:rPr>
+              <a:t>Fifth Outline Level</a:t>
+            </a:r>
+            <a:endParaRPr b="0" lang="en-US" sz="1800" strike="noStrike" u="none">
+              <a:solidFill>
+                <a:srgbClr val="000000"/>
+              </a:solidFill>
+              <a:effectLst/>
+              <a:uFillTx/>
+              <a:latin typeface="Arial"/>
+            </a:endParaRPr>
+          </a:p>
+          <a:p>
+            <a:pPr lvl="5" marL="2592000" indent="-216000">
+              <a:spcBef>
+                <a:spcPts val="283"/>
+              </a:spcBef>
+              <a:buClr>
+                <a:srgbClr val="000000"/>
+              </a:buClr>
+              <a:buSzPct val="45000"/>
+              <a:buFont typeface="Wingdings" charset="2"/>
+              <a:buChar char=""/>
+            </a:pPr>
+            <a:r>
+              <a:rPr b="0" lang="en-US" sz="1800" strike="noStrike" u="none">
+                <a:solidFill>
+                  <a:srgbClr val="000000"/>
+                </a:solidFill>
+                <a:effectLst/>
+                <a:uFillTx/>
+                <a:latin typeface="Arial"/>
+              </a:rPr>
+              <a:t>Sixth Outline Level</a:t>
+            </a:r>
+            <a:endParaRPr b="0" lang="en-US" sz="1800" strike="noStrike" u="none">
+              <a:solidFill>
+                <a:srgbClr val="000000"/>
+              </a:solidFill>
+              <a:effectLst/>
+              <a:uFillTx/>
+              <a:latin typeface="Arial"/>
+            </a:endParaRPr>
+          </a:p>
+          <a:p>
+            <a:pPr lvl="6" marL="3024000" indent="-216000">
+              <a:spcBef>
+                <a:spcPts val="283"/>
+              </a:spcBef>
+              <a:buClr>
+                <a:srgbClr val="000000"/>
+              </a:buClr>
+              <a:buSzPct val="45000"/>
+              <a:buFont typeface="Wingdings" charset="2"/>
+              <a:buChar char=""/>
+            </a:pPr>
+            <a:r>
+              <a:rPr b="0" lang="en-US" sz="1800" strike="noStrike" u="none">
+                <a:solidFill>
+                  <a:srgbClr val="000000"/>
+                </a:solidFill>
+                <a:effectLst/>
+                <a:uFillTx/>
+                <a:latin typeface="Arial"/>
+              </a:rPr>
+              <a:t>Seventh Outline Level</a:t>
+            </a:r>
+            <a:endParaRPr b="0" lang="en-US" sz="1800" strike="noStrike" u="none">
+              <a:solidFill>
+                <a:srgbClr val="000000"/>
+              </a:solidFill>
+              <a:effectLst/>
               <a:uFillTx/>
               <a:latin typeface="Arial"/>
             </a:endParaRPr>
@@ -249,7 +528,7 @@
       </p:sp>
       <p:sp>
         <p:nvSpPr>
-          <p:cNvPr id="4" name="PlaceHolder 3"/>
+          <p:cNvPr id="13" name="PlaceHolder 3"/>
           <p:cNvSpPr>
             <a:spLocks noGrp="1"/>
           </p:cNvSpPr>
@@ -257,13 +536,73 @@
             <p:ph type="sldNum" idx="2"/>
           </p:nvPr>
         </p:nvSpPr>
-        <p:spPr/>
+        <p:spPr>
+          <a:xfrm>
+            <a:off x="8704080" y="4816440"/>
+            <a:ext cx="204120" cy="143280"/>
+          </a:xfrm>
+          <a:prstGeom prst="rect">
+            <a:avLst/>
+          </a:prstGeom>
+          <a:noFill/>
+          <a:ln w="0">
+            <a:noFill/>
+          </a:ln>
+        </p:spPr>
         <p:txBody>
-          <a:bodyPr/>
-          <a:p>
-            <a:fld id="{EBF5162E-0234-4846-A1E3-1A058C9626AF}" type="slidenum">
-              <a:t>&lt;#&gt;</a:t>
+          <a:bodyPr lIns="19080" rIns="19080" tIns="19080" bIns="19080" anchor="t">
+            <a:noAutofit/>
+          </a:bodyPr>
+          <a:lstStyle>
+            <a:lvl1pPr indent="0" algn="r">
+              <a:lnSpc>
+                <a:spcPct val="100000"/>
+              </a:lnSpc>
+              <a:buNone/>
+              <a:tabLst>
+                <a:tab algn="l" pos="0"/>
+              </a:tabLst>
+              <a:defRPr b="0" lang="ru" sz="1100" strike="noStrike" u="none">
+                <a:solidFill>
+                  <a:srgbClr val="4d4e4f"/>
+                </a:solidFill>
+                <a:effectLst/>
+                <a:uFillTx/>
+                <a:latin typeface="Arial"/>
+                <a:ea typeface="Arial"/>
+              </a:defRPr>
+            </a:lvl1pPr>
+          </a:lstStyle>
+          <a:p>
+            <a:pPr indent="0" algn="r">
+              <a:lnSpc>
+                <a:spcPct val="100000"/>
+              </a:lnSpc>
+              <a:buNone/>
+              <a:tabLst>
+                <a:tab algn="l" pos="0"/>
+              </a:tabLst>
+            </a:pPr>
+            <a:fld id="{A0BDE1CE-7E1D-45BB-BE22-A7FA57590FE4}" type="slidenum">
+              <a:rPr b="0" lang="ru" sz="1100" strike="noStrike" u="none">
+                <a:solidFill>
+                  <a:srgbClr val="4d4e4f"/>
+                </a:solidFill>
+                <a:effectLst/>
+                <a:uFillTx/>
+                <a:latin typeface="Arial"/>
+                <a:ea typeface="Arial"/>
+              </a:rPr>
+              <a:t>&lt;number&gt;</a:t>
             </a:fld>
+            <a:endParaRPr b="0" lang="en-US" sz="1100" strike="noStrike" u="none">
+              <a:solidFill>
+                <a:srgbClr val="000000"/>
+              </a:solidFill>
+              <a:effectLst/>
+              <a:uFillTx/>
+              <a:latin typeface="Times New Roman"/>
+            </a:endParaRPr>
           </a:p>
         </p:txBody>
       </p:sp>
@@ -273,8 +612,15 @@
 </file>
 
 <file path=ppt/slideLayouts/slideLayout3.xml><?xml version="1.0" encoding="utf-8"?>
-<p:sldLayout xmlns:a="http://schemas.openxmlformats.org/drawingml/2006/main" xmlns:p="http://schemas.openxmlformats.org/presentationml/2006/main" xmlns:r="http://schemas.openxmlformats.org/officeDocument/2006/relationships" xmlns:p14="http://schemas.microsoft.com/office/powerpoint/2010/main" xmlns:p15="http://schemas.microsoft.com/office/powerpoint/2012/main" xmlns:mc="http://schemas.openxmlformats.org/markup-compatibility/2006" type="blank" preserve="1">
-  <p:cSld name="Content">
+<p:sldLayout xmlns:a="http://schemas.openxmlformats.org/drawingml/2006/main" xmlns:p="http://schemas.openxmlformats.org/presentationml/2006/main" xmlns:r="http://schemas.openxmlformats.org/officeDocument/2006/relationships" xmlns:p14="http://schemas.microsoft.com/office/powerpoint/2010/main" xmlns:p15="http://schemas.microsoft.com/office/powerpoint/2012/main" xmlns:mc="http://schemas.openxmlformats.org/markup-compatibility/2006" type="tx" preserve="1">
+  <p:cSld name="Default">
+    <p:bg>
+      <p:bgPr>
+        <a:solidFill>
+          <a:srgbClr val="ffffff"/>
+        </a:solidFill>
+      </p:bgPr>
+    </p:bg>
     <p:spTree>
       <p:nvGrpSpPr>
         <p:cNvPr id="1" name=""/>
@@ -289,23 +635,438 @@
           <a:chExt cx="0" cy="0"/>
         </a:xfrm>
       </p:grpSpPr>
+      <p:pic>
+        <p:nvPicPr>
+          <p:cNvPr id="14" name="Google Shape;6;p1" descr=""/>
+          <p:cNvPicPr/>
+          <p:nvPr/>
+        </p:nvPicPr>
+        <p:blipFill>
+          <a:blip r:embed="rId2"/>
+          <a:srcRect l="0" t="55" r="0" b="55"/>
+          <a:stretch/>
+        </p:blipFill>
+        <p:spPr>
+          <a:xfrm>
+            <a:off x="333000" y="1118520"/>
+            <a:ext cx="11932200" cy="4442760"/>
+          </a:xfrm>
+          <a:prstGeom prst="rect">
+            <a:avLst/>
+          </a:prstGeom>
+          <a:noFill/>
+          <a:ln w="0">
+            <a:noFill/>
+          </a:ln>
+        </p:spPr>
+      </p:pic>
+      <p:pic>
+        <p:nvPicPr>
+          <p:cNvPr id="15" name="Google Shape;8;p1" descr="Image"/>
+          <p:cNvPicPr/>
+          <p:nvPr/>
+        </p:nvPicPr>
+        <p:blipFill>
+          <a:blip r:embed="rId3"/>
+          <a:stretch/>
+        </p:blipFill>
+        <p:spPr>
+          <a:xfrm>
+            <a:off x="7068600" y="359640"/>
+            <a:ext cx="1633680" cy="419400"/>
+          </a:xfrm>
+          <a:prstGeom prst="rect">
+            <a:avLst/>
+          </a:prstGeom>
+          <a:noFill/>
+          <a:ln w="0">
+            <a:noFill/>
+          </a:ln>
+        </p:spPr>
+      </p:pic>
       <p:sp>
         <p:nvSpPr>
-          <p:cNvPr id="2" name="PlaceHolder 1"/>
+          <p:cNvPr id="16" name="PlaceHolder 1"/>
           <p:cNvSpPr>
             <a:spLocks noGrp="1"/>
           </p:cNvSpPr>
           <p:nvPr>
-            <p:ph type="sldNum" idx="2"/>
+            <p:ph type="sldNum" idx="3"/>
           </p:nvPr>
         </p:nvSpPr>
-        <p:spPr/>
+        <p:spPr>
+          <a:xfrm>
+            <a:off x="8704080" y="4816440"/>
+            <a:ext cx="204120" cy="143280"/>
+          </a:xfrm>
+          <a:prstGeom prst="rect">
+            <a:avLst/>
+          </a:prstGeom>
+          <a:noFill/>
+          <a:ln w="0">
+            <a:noFill/>
+          </a:ln>
+        </p:spPr>
         <p:txBody>
-          <a:bodyPr/>
-          <a:p>
-            <a:fld id="{35D9283B-3F13-4742-A5B6-BFC4F2BDE99E}" type="slidenum">
-              <a:t>&lt;#&gt;</a:t>
+          <a:bodyPr lIns="19080" rIns="19080" tIns="19080" bIns="19080" anchor="t">
+            <a:noAutofit/>
+          </a:bodyPr>
+          <a:lstStyle>
+            <a:lvl1pPr indent="0" algn="r">
+              <a:lnSpc>
+                <a:spcPct val="100000"/>
+              </a:lnSpc>
+              <a:buNone/>
+              <a:tabLst>
+                <a:tab algn="l" pos="0"/>
+              </a:tabLst>
+              <a:defRPr b="0" lang="ru" sz="1100" strike="noStrike" u="none">
+                <a:solidFill>
+                  <a:srgbClr val="4d4e4f"/>
+                </a:solidFill>
+                <a:effectLst/>
+                <a:uFillTx/>
+                <a:latin typeface="Arial"/>
+                <a:ea typeface="Arial"/>
+              </a:defRPr>
+            </a:lvl1pPr>
+          </a:lstStyle>
+          <a:p>
+            <a:pPr indent="0" algn="r">
+              <a:lnSpc>
+                <a:spcPct val="100000"/>
+              </a:lnSpc>
+              <a:buNone/>
+              <a:tabLst>
+                <a:tab algn="l" pos="0"/>
+              </a:tabLst>
+            </a:pPr>
+            <a:fld id="{0912A912-297E-41F3-BAC4-BF3E91FDD5E3}" type="slidenum">
+              <a:rPr b="0" lang="ru" sz="1100" strike="noStrike" u="none">
+                <a:solidFill>
+                  <a:srgbClr val="4d4e4f"/>
+                </a:solidFill>
+                <a:effectLst/>
+                <a:uFillTx/>
+                <a:latin typeface="Arial"/>
+                <a:ea typeface="Arial"/>
+              </a:rPr>
+              <a:t>&lt;number&gt;</a:t>
             </a:fld>
+            <a:endParaRPr b="0" lang="en-US" sz="1100" strike="noStrike" u="none">
+              <a:solidFill>
+                <a:srgbClr val="000000"/>
+              </a:solidFill>
+              <a:effectLst/>
+              <a:uFillTx/>
+              <a:latin typeface="Times New Roman"/>
+            </a:endParaRPr>
+          </a:p>
+        </p:txBody>
+      </p:sp>
+      <p:sp>
+        <p:nvSpPr>
+          <p:cNvPr id="17" name="PlaceHolder 2"/>
+          <p:cNvSpPr>
+            <a:spLocks noGrp="1"/>
+          </p:cNvSpPr>
+          <p:nvPr>
+            <p:ph type="title"/>
+          </p:nvPr>
+        </p:nvSpPr>
+        <p:spPr>
+          <a:xfrm>
+            <a:off x="457200" y="205200"/>
+            <a:ext cx="8229240" cy="858600"/>
+          </a:xfrm>
+          <a:prstGeom prst="rect">
+            <a:avLst/>
+          </a:prstGeom>
+          <a:noFill/>
+          <a:ln w="0">
+            <a:noFill/>
+          </a:ln>
+        </p:spPr>
+        <p:txBody>
+          <a:bodyPr lIns="0" rIns="0" tIns="0" bIns="0" anchor="ctr">
+            <a:noAutofit/>
+          </a:bodyPr>
+          <a:p>
+            <a:pPr indent="0" algn="ctr">
+              <a:buNone/>
+            </a:pPr>
+            <a:r>
+              <a:rPr b="0" lang="en-US" sz="4400" strike="noStrike" u="none">
+                <a:solidFill>
+                  <a:srgbClr val="000000"/>
+                </a:solidFill>
+                <a:effectLst/>
+                <a:uFillTx/>
+                <a:latin typeface="Arial"/>
+              </a:rPr>
+              <a:t>Click to edit the title text format</a:t>
+            </a:r>
+            <a:endParaRPr b="0" lang="en-US" sz="4400" strike="noStrike" u="none">
+              <a:solidFill>
+                <a:srgbClr val="000000"/>
+              </a:solidFill>
+              <a:effectLst/>
+              <a:uFillTx/>
+              <a:latin typeface="Arial"/>
+            </a:endParaRPr>
+          </a:p>
+        </p:txBody>
+      </p:sp>
+      <p:sp>
+        <p:nvSpPr>
+          <p:cNvPr id="18" name="PlaceHolder 3"/>
+          <p:cNvSpPr>
+            <a:spLocks noGrp="1"/>
+          </p:cNvSpPr>
+          <p:nvPr>
+            <p:ph type="body"/>
+          </p:nvPr>
+        </p:nvSpPr>
+        <p:spPr>
+          <a:xfrm>
+            <a:off x="457200" y="1203480"/>
+            <a:ext cx="8229240" cy="2982960"/>
+          </a:xfrm>
+          <a:prstGeom prst="rect">
+            <a:avLst/>
+          </a:prstGeom>
+          <a:noFill/>
+          <a:ln w="0">
+            <a:noFill/>
+          </a:ln>
+        </p:spPr>
+        <p:txBody>
+          <a:bodyPr lIns="0" rIns="0" tIns="0" bIns="0" anchor="t">
+            <a:normAutofit/>
+          </a:bodyPr>
+          <a:p>
+            <a:pPr marL="432000" indent="-324000">
+              <a:spcBef>
+                <a:spcPts val="1417"/>
+              </a:spcBef>
+              <a:buClr>
+                <a:srgbClr val="000000"/>
+              </a:buClr>
+              <a:buSzPct val="45000"/>
+              <a:buFont typeface="Wingdings" charset="2"/>
+              <a:buChar char=""/>
+            </a:pPr>
+            <a:r>
+              <a:rPr b="0" lang="en-US" sz="3200" strike="noStrike" u="none">
+                <a:solidFill>
+                  <a:srgbClr val="000000"/>
+                </a:solidFill>
+                <a:effectLst/>
+                <a:uFillTx/>
+                <a:latin typeface="Arial"/>
+              </a:rPr>
+              <a:t>Click to edit the outline text format</a:t>
+            </a:r>
+            <a:endParaRPr b="0" lang="en-US" sz="3200" strike="noStrike" u="none">
+              <a:solidFill>
+                <a:srgbClr val="000000"/>
+              </a:solidFill>
+              <a:effectLst/>
+              <a:uFillTx/>
+              <a:latin typeface="Arial"/>
+            </a:endParaRPr>
+          </a:p>
+          <a:p>
+            <a:pPr lvl="1" marL="864000" indent="-324000">
+              <a:spcBef>
+                <a:spcPts val="1134"/>
+              </a:spcBef>
+              <a:buClr>
+                <a:srgbClr val="000000"/>
+              </a:buClr>
+              <a:buSzPct val="75000"/>
+              <a:buFont typeface="Symbol" charset="2"/>
+              <a:buChar char=""/>
+            </a:pPr>
+            <a:r>
+              <a:rPr b="0" lang="en-US" sz="2800" strike="noStrike" u="none">
+                <a:solidFill>
+                  <a:srgbClr val="000000"/>
+                </a:solidFill>
+                <a:effectLst/>
+                <a:uFillTx/>
+                <a:latin typeface="Arial"/>
+              </a:rPr>
+              <a:t>Second Outline Level</a:t>
+            </a:r>
+            <a:endParaRPr b="0" lang="en-US" sz="2800" strike="noStrike" u="none">
+              <a:solidFill>
+                <a:srgbClr val="000000"/>
+              </a:solidFill>
+              <a:effectLst/>
+              <a:uFillTx/>
+              <a:latin typeface="Arial"/>
+            </a:endParaRPr>
+          </a:p>
+          <a:p>
+            <a:pPr lvl="2" marL="1296000" indent="-288000">
+              <a:spcBef>
+                <a:spcPts val="850"/>
+              </a:spcBef>
+              <a:buClr>
+                <a:srgbClr val="000000"/>
+              </a:buClr>
+              <a:buSzPct val="45000"/>
+              <a:buFont typeface="Wingdings" charset="2"/>
+              <a:buChar char=""/>
+            </a:pPr>
+            <a:r>
+              <a:rPr b="0" lang="en-US" sz="2400" strike="noStrike" u="none">
+                <a:solidFill>
+                  <a:srgbClr val="000000"/>
+                </a:solidFill>
+                <a:effectLst/>
+                <a:uFillTx/>
+                <a:latin typeface="Arial"/>
+              </a:rPr>
+              <a:t>Third Outline Level</a:t>
+            </a:r>
+            <a:endParaRPr b="0" lang="en-US" sz="2400" strike="noStrike" u="none">
+              <a:solidFill>
+                <a:srgbClr val="000000"/>
+              </a:solidFill>
+              <a:effectLst/>
+              <a:uFillTx/>
+              <a:latin typeface="Arial"/>
+            </a:endParaRPr>
+          </a:p>
+          <a:p>
+            <a:pPr lvl="3" marL="1728000" indent="-216000">
+              <a:spcBef>
+                <a:spcPts val="567"/>
+              </a:spcBef>
+              <a:buClr>
+                <a:srgbClr val="000000"/>
+              </a:buClr>
+              <a:buSzPct val="75000"/>
+              <a:buFont typeface="Symbol" charset="2"/>
+              <a:buChar char=""/>
+            </a:pPr>
+            <a:r>
+              <a:rPr b="0" lang="en-US" sz="2000" strike="noStrike" u="none">
+                <a:solidFill>
+                  <a:srgbClr val="000000"/>
+                </a:solidFill>
+                <a:effectLst/>
+                <a:uFillTx/>
+                <a:latin typeface="Arial"/>
+              </a:rPr>
+              <a:t>Fourth Outline Level</a:t>
+            </a:r>
+            <a:endParaRPr b="0" lang="en-US" sz="2000" strike="noStrike" u="none">
+              <a:solidFill>
+                <a:srgbClr val="000000"/>
+              </a:solidFill>
+              <a:effectLst/>
+              <a:uFillTx/>
+              <a:latin typeface="Arial"/>
+            </a:endParaRPr>
+          </a:p>
+          <a:p>
+            <a:pPr lvl="4" marL="2160000" indent="-216000">
+              <a:spcBef>
+                <a:spcPts val="283"/>
+              </a:spcBef>
+              <a:buClr>
+                <a:srgbClr val="000000"/>
+              </a:buClr>
+              <a:buSzPct val="45000"/>
+              <a:buFont typeface="Wingdings" charset="2"/>
+              <a:buChar char=""/>
+            </a:pPr>
+            <a:r>
+              <a:rPr b="0" lang="en-US" sz="2000" strike="noStrike" u="none">
+                <a:solidFill>
+                  <a:srgbClr val="000000"/>
+                </a:solidFill>
+                <a:effectLst/>
+                <a:uFillTx/>
+                <a:latin typeface="Arial"/>
+              </a:rPr>
+              <a:t>Fifth Outline Level</a:t>
+            </a:r>
+            <a:endParaRPr b="0" lang="en-US" sz="2000" strike="noStrike" u="none">
+              <a:solidFill>
+                <a:srgbClr val="000000"/>
+              </a:solidFill>
+              <a:effectLst/>
+              <a:uFillTx/>
+              <a:latin typeface="Arial"/>
+            </a:endParaRPr>
+          </a:p>
+          <a:p>
+            <a:pPr lvl="5" marL="2592000" indent="-216000">
+              <a:spcBef>
+                <a:spcPts val="283"/>
+              </a:spcBef>
+              <a:buClr>
+                <a:srgbClr val="000000"/>
+              </a:buClr>
+              <a:buSzPct val="45000"/>
+              <a:buFont typeface="Wingdings" charset="2"/>
+              <a:buChar char=""/>
+            </a:pPr>
+            <a:r>
+              <a:rPr b="0" lang="en-US" sz="2000" strike="noStrike" u="none">
+                <a:solidFill>
+                  <a:srgbClr val="000000"/>
+                </a:solidFill>
+                <a:effectLst/>
+                <a:uFillTx/>
+                <a:latin typeface="Arial"/>
+              </a:rPr>
+              <a:t>Sixth Outline Level</a:t>
+            </a:r>
+            <a:endParaRPr b="0" lang="en-US" sz="2000" strike="noStrike" u="none">
+              <a:solidFill>
+                <a:srgbClr val="000000"/>
+              </a:solidFill>
+              <a:effectLst/>
+              <a:uFillTx/>
+              <a:latin typeface="Arial"/>
+            </a:endParaRPr>
+          </a:p>
+          <a:p>
+            <a:pPr lvl="6" marL="3024000" indent="-216000">
+              <a:spcBef>
+                <a:spcPts val="283"/>
+              </a:spcBef>
+              <a:buClr>
+                <a:srgbClr val="000000"/>
+              </a:buClr>
+              <a:buSzPct val="45000"/>
+              <a:buFont typeface="Wingdings" charset="2"/>
+              <a:buChar char=""/>
+            </a:pPr>
+            <a:r>
+              <a:rPr b="0" lang="en-US" sz="2000" strike="noStrike" u="none">
+                <a:solidFill>
+                  <a:srgbClr val="000000"/>
+                </a:solidFill>
+                <a:effectLst/>
+                <a:uFillTx/>
+                <a:latin typeface="Arial"/>
+              </a:rPr>
+              <a:t>Seventh Outline Level</a:t>
+            </a:r>
+            <a:endParaRPr b="0" lang="en-US" sz="2000" strike="noStrike" u="none">
+              <a:solidFill>
+                <a:srgbClr val="000000"/>
+              </a:solidFill>
+              <a:effectLst/>
+              <a:uFillTx/>
+              <a:latin typeface="Arial"/>
+            </a:endParaRPr>
           </a:p>
         </p:txBody>
       </p:sp>
@@ -315,6 +1076,470 @@
 </file>
 
 <file path=ppt/slideLayouts/slideLayout4.xml><?xml version="1.0" encoding="utf-8"?>
+<p:sldLayout xmlns:a="http://schemas.openxmlformats.org/drawingml/2006/main" xmlns:p="http://schemas.openxmlformats.org/presentationml/2006/main" xmlns:r="http://schemas.openxmlformats.org/officeDocument/2006/relationships" xmlns:p14="http://schemas.microsoft.com/office/powerpoint/2010/main" xmlns:p15="http://schemas.microsoft.com/office/powerpoint/2012/main" xmlns:mc="http://schemas.openxmlformats.org/markup-compatibility/2006" type="blank" preserve="1">
+  <p:cSld name="Default">
+    <p:bg>
+      <p:bgPr>
+        <a:solidFill>
+          <a:srgbClr val="ffffff"/>
+        </a:solidFill>
+      </p:bgPr>
+    </p:bg>
+    <p:spTree>
+      <p:nvGrpSpPr>
+        <p:cNvPr id="1" name=""/>
+        <p:cNvGrpSpPr/>
+        <p:nvPr/>
+      </p:nvGrpSpPr>
+      <p:grpSpPr>
+        <a:xfrm>
+          <a:off x="0" y="0"/>
+          <a:ext cx="0" cy="0"/>
+          <a:chOff x="0" y="0"/>
+          <a:chExt cx="0" cy="0"/>
+        </a:xfrm>
+      </p:grpSpPr>
+      <p:pic>
+        <p:nvPicPr>
+          <p:cNvPr id="19" name="Google Shape;6;p1" descr=""/>
+          <p:cNvPicPr/>
+          <p:nvPr/>
+        </p:nvPicPr>
+        <p:blipFill>
+          <a:blip r:embed="rId2"/>
+          <a:srcRect l="0" t="55" r="0" b="55"/>
+          <a:stretch/>
+        </p:blipFill>
+        <p:spPr>
+          <a:xfrm>
+            <a:off x="333000" y="1118520"/>
+            <a:ext cx="11932200" cy="4442760"/>
+          </a:xfrm>
+          <a:prstGeom prst="rect">
+            <a:avLst/>
+          </a:prstGeom>
+          <a:noFill/>
+          <a:ln w="0">
+            <a:noFill/>
+          </a:ln>
+        </p:spPr>
+      </p:pic>
+      <p:pic>
+        <p:nvPicPr>
+          <p:cNvPr id="20" name="Google Shape;8;p1" descr="Image"/>
+          <p:cNvPicPr/>
+          <p:nvPr/>
+        </p:nvPicPr>
+        <p:blipFill>
+          <a:blip r:embed="rId3"/>
+          <a:stretch/>
+        </p:blipFill>
+        <p:spPr>
+          <a:xfrm>
+            <a:off x="7068600" y="359640"/>
+            <a:ext cx="1633680" cy="419400"/>
+          </a:xfrm>
+          <a:prstGeom prst="rect">
+            <a:avLst/>
+          </a:prstGeom>
+          <a:noFill/>
+          <a:ln w="0">
+            <a:noFill/>
+          </a:ln>
+        </p:spPr>
+      </p:pic>
+      <p:sp>
+        <p:nvSpPr>
+          <p:cNvPr id="21" name="PlaceHolder 1"/>
+          <p:cNvSpPr>
+            <a:spLocks noGrp="1"/>
+          </p:cNvSpPr>
+          <p:nvPr>
+            <p:ph type="sldNum" idx="4"/>
+          </p:nvPr>
+        </p:nvSpPr>
+        <p:spPr>
+          <a:xfrm>
+            <a:off x="8704080" y="4816440"/>
+            <a:ext cx="204120" cy="143280"/>
+          </a:xfrm>
+          <a:prstGeom prst="rect">
+            <a:avLst/>
+          </a:prstGeom>
+          <a:noFill/>
+          <a:ln w="0">
+            <a:noFill/>
+          </a:ln>
+        </p:spPr>
+        <p:txBody>
+          <a:bodyPr lIns="19080" rIns="19080" tIns="19080" bIns="19080" anchor="t">
+            <a:noAutofit/>
+          </a:bodyPr>
+          <a:lstStyle>
+            <a:lvl1pPr indent="0" algn="r">
+              <a:lnSpc>
+                <a:spcPct val="100000"/>
+              </a:lnSpc>
+              <a:buNone/>
+              <a:tabLst>
+                <a:tab algn="l" pos="0"/>
+              </a:tabLst>
+              <a:defRPr b="0" lang="ru" sz="1100" strike="noStrike" u="none">
+                <a:solidFill>
+                  <a:srgbClr val="4d4e4f"/>
+                </a:solidFill>
+                <a:effectLst/>
+                <a:uFillTx/>
+                <a:latin typeface="Arial"/>
+                <a:ea typeface="Arial"/>
+              </a:defRPr>
+            </a:lvl1pPr>
+          </a:lstStyle>
+          <a:p>
+            <a:pPr indent="0" algn="r">
+              <a:lnSpc>
+                <a:spcPct val="100000"/>
+              </a:lnSpc>
+              <a:buNone/>
+              <a:tabLst>
+                <a:tab algn="l" pos="0"/>
+              </a:tabLst>
+            </a:pPr>
+            <a:fld id="{3EE837B6-D23D-47EB-A95F-575BBE301D9D}" type="slidenum">
+              <a:rPr b="0" lang="ru" sz="1100" strike="noStrike" u="none">
+                <a:solidFill>
+                  <a:srgbClr val="4d4e4f"/>
+                </a:solidFill>
+                <a:effectLst/>
+                <a:uFillTx/>
+                <a:latin typeface="Arial"/>
+                <a:ea typeface="Arial"/>
+              </a:rPr>
+              <a:t>&lt;number&gt;</a:t>
+            </a:fld>
+            <a:endParaRPr b="0" lang="en-US" sz="1100" strike="noStrike" u="none">
+              <a:solidFill>
+                <a:srgbClr val="000000"/>
+              </a:solidFill>
+              <a:effectLst/>
+              <a:uFillTx/>
+              <a:latin typeface="Times New Roman"/>
+            </a:endParaRPr>
+          </a:p>
+        </p:txBody>
+      </p:sp>
+      <p:sp>
+        <p:nvSpPr>
+          <p:cNvPr id="22" name="PlaceHolder 2"/>
+          <p:cNvSpPr>
+            <a:spLocks noGrp="1"/>
+          </p:cNvSpPr>
+          <p:nvPr>
+            <p:ph type="title"/>
+          </p:nvPr>
+        </p:nvSpPr>
+        <p:spPr>
+          <a:xfrm>
+            <a:off x="457200" y="205200"/>
+            <a:ext cx="8229240" cy="858600"/>
+          </a:xfrm>
+          <a:prstGeom prst="rect">
+            <a:avLst/>
+          </a:prstGeom>
+          <a:noFill/>
+          <a:ln w="0">
+            <a:noFill/>
+          </a:ln>
+        </p:spPr>
+        <p:txBody>
+          <a:bodyPr lIns="0" rIns="0" tIns="0" bIns="0" anchor="ctr">
+            <a:noAutofit/>
+          </a:bodyPr>
+          <a:p>
+            <a:pPr indent="0" algn="ctr">
+              <a:buNone/>
+            </a:pPr>
+            <a:r>
+              <a:rPr b="0" lang="en-US" sz="4400" strike="noStrike" u="none">
+                <a:solidFill>
+                  <a:srgbClr val="000000"/>
+                </a:solidFill>
+                <a:effectLst/>
+                <a:uFillTx/>
+                <a:latin typeface="Arial"/>
+              </a:rPr>
+              <a:t>Click to edit the title text format</a:t>
+            </a:r>
+            <a:endParaRPr b="0" lang="en-US" sz="4400" strike="noStrike" u="none">
+              <a:solidFill>
+                <a:srgbClr val="000000"/>
+              </a:solidFill>
+              <a:effectLst/>
+              <a:uFillTx/>
+              <a:latin typeface="Arial"/>
+            </a:endParaRPr>
+          </a:p>
+        </p:txBody>
+      </p:sp>
+      <p:sp>
+        <p:nvSpPr>
+          <p:cNvPr id="23" name="PlaceHolder 3"/>
+          <p:cNvSpPr>
+            <a:spLocks noGrp="1"/>
+          </p:cNvSpPr>
+          <p:nvPr>
+            <p:ph type="body"/>
+          </p:nvPr>
+        </p:nvSpPr>
+        <p:spPr>
+          <a:xfrm>
+            <a:off x="457200" y="1203480"/>
+            <a:ext cx="8229240" cy="2982960"/>
+          </a:xfrm>
+          <a:prstGeom prst="rect">
+            <a:avLst/>
+          </a:prstGeom>
+          <a:noFill/>
+          <a:ln w="0">
+            <a:noFill/>
+          </a:ln>
+        </p:spPr>
+        <p:txBody>
+          <a:bodyPr lIns="0" rIns="0" tIns="0" bIns="0" anchor="t">
+            <a:normAutofit/>
+          </a:bodyPr>
+          <a:p>
+            <a:pPr marL="432000" indent="-324000">
+              <a:spcBef>
+                <a:spcPts val="1417"/>
+              </a:spcBef>
+              <a:buClr>
+                <a:srgbClr val="000000"/>
+              </a:buClr>
+              <a:buSzPct val="45000"/>
+              <a:buFont typeface="Wingdings" charset="2"/>
+              <a:buChar char=""/>
+            </a:pPr>
+            <a:r>
+              <a:rPr b="0" lang="en-US" sz="3200" strike="noStrike" u="none">
+                <a:solidFill>
+                  <a:srgbClr val="000000"/>
+                </a:solidFill>
+                <a:effectLst/>
+                <a:uFillTx/>
+                <a:latin typeface="Arial"/>
+              </a:rPr>
+              <a:t>Click to edit the outline text format</a:t>
+            </a:r>
+            <a:endParaRPr b="0" lang="en-US" sz="3200" strike="noStrike" u="none">
+              <a:solidFill>
+                <a:srgbClr val="000000"/>
+              </a:solidFill>
+              <a:effectLst/>
+              <a:uFillTx/>
+              <a:latin typeface="Arial"/>
+            </a:endParaRPr>
+          </a:p>
+          <a:p>
+            <a:pPr lvl="1" marL="864000" indent="-324000">
+              <a:spcBef>
+                <a:spcPts val="1134"/>
+              </a:spcBef>
+              <a:buClr>
+                <a:srgbClr val="000000"/>
+              </a:buClr>
+              <a:buSzPct val="75000"/>
+              <a:buFont typeface="Symbol" charset="2"/>
+              <a:buChar char=""/>
+            </a:pPr>
+            <a:r>
+              <a:rPr b="0" lang="en-US" sz="2800" strike="noStrike" u="none">
+                <a:solidFill>
+                  <a:srgbClr val="000000"/>
+                </a:solidFill>
+                <a:effectLst/>
+                <a:uFillTx/>
+                <a:latin typeface="Arial"/>
+              </a:rPr>
+              <a:t>Second Outline Level</a:t>
+            </a:r>
+            <a:endParaRPr b="0" lang="en-US" sz="2800" strike="noStrike" u="none">
+              <a:solidFill>
+                <a:srgbClr val="000000"/>
+              </a:solidFill>
+              <a:effectLst/>
+              <a:uFillTx/>
+              <a:latin typeface="Arial"/>
+            </a:endParaRPr>
+          </a:p>
+          <a:p>
+            <a:pPr lvl="2" marL="1296000" indent="-288000">
+              <a:spcBef>
+                <a:spcPts val="850"/>
+              </a:spcBef>
+              <a:buClr>
+                <a:srgbClr val="000000"/>
+              </a:buClr>
+              <a:buSzPct val="45000"/>
+              <a:buFont typeface="Wingdings" charset="2"/>
+              <a:buChar char=""/>
+            </a:pPr>
+            <a:r>
+              <a:rPr b="0" lang="en-US" sz="2400" strike="noStrike" u="none">
+                <a:solidFill>
+                  <a:srgbClr val="000000"/>
+                </a:solidFill>
+                <a:effectLst/>
+                <a:uFillTx/>
+                <a:latin typeface="Arial"/>
+              </a:rPr>
+              <a:t>Third Outline Level</a:t>
+            </a:r>
+            <a:endParaRPr b="0" lang="en-US" sz="2400" strike="noStrike" u="none">
+              <a:solidFill>
+                <a:srgbClr val="000000"/>
+              </a:solidFill>
+              <a:effectLst/>
+              <a:uFillTx/>
+              <a:latin typeface="Arial"/>
+            </a:endParaRPr>
+          </a:p>
+          <a:p>
+            <a:pPr lvl="3" marL="1728000" indent="-216000">
+              <a:spcBef>
+                <a:spcPts val="567"/>
+              </a:spcBef>
+              <a:buClr>
+                <a:srgbClr val="000000"/>
+              </a:buClr>
+              <a:buSzPct val="75000"/>
+              <a:buFont typeface="Symbol" charset="2"/>
+              <a:buChar char=""/>
+            </a:pPr>
+            <a:r>
+              <a:rPr b="0" lang="en-US" sz="2000" strike="noStrike" u="none">
+                <a:solidFill>
+                  <a:srgbClr val="000000"/>
+                </a:solidFill>
+                <a:effectLst/>
+                <a:uFillTx/>
+                <a:latin typeface="Arial"/>
+              </a:rPr>
+              <a:t>Fourth Outline Level</a:t>
+            </a:r>
+            <a:endParaRPr b="0" lang="en-US" sz="2000" strike="noStrike" u="none">
+              <a:solidFill>
+                <a:srgbClr val="000000"/>
+              </a:solidFill>
+              <a:effectLst/>
+              <a:uFillTx/>
+              <a:latin typeface="Arial"/>
+            </a:endParaRPr>
+          </a:p>
+          <a:p>
+            <a:pPr lvl="4" marL="2160000" indent="-216000">
+              <a:spcBef>
+                <a:spcPts val="283"/>
+              </a:spcBef>
+              <a:buClr>
+                <a:srgbClr val="000000"/>
+              </a:buClr>
+              <a:buSzPct val="45000"/>
+              <a:buFont typeface="Wingdings" charset="2"/>
+              <a:buChar char=""/>
+            </a:pPr>
+            <a:r>
+              <a:rPr b="0" lang="en-US" sz="2000" strike="noStrike" u="none">
+                <a:solidFill>
+                  <a:srgbClr val="000000"/>
+                </a:solidFill>
+                <a:effectLst/>
+                <a:uFillTx/>
+                <a:latin typeface="Arial"/>
+              </a:rPr>
+              <a:t>Fifth Outline Level</a:t>
+            </a:r>
+            <a:endParaRPr b="0" lang="en-US" sz="2000" strike="noStrike" u="none">
+              <a:solidFill>
+                <a:srgbClr val="000000"/>
+              </a:solidFill>
+              <a:effectLst/>
+              <a:uFillTx/>
+              <a:latin typeface="Arial"/>
+            </a:endParaRPr>
+          </a:p>
+          <a:p>
+            <a:pPr lvl="5" marL="2592000" indent="-216000">
+              <a:spcBef>
+                <a:spcPts val="283"/>
+              </a:spcBef>
+              <a:buClr>
+                <a:srgbClr val="000000"/>
+              </a:buClr>
+              <a:buSzPct val="45000"/>
+              <a:buFont typeface="Wingdings" charset="2"/>
+              <a:buChar char=""/>
+            </a:pPr>
+            <a:r>
+              <a:rPr b="0" lang="en-US" sz="2000" strike="noStrike" u="none">
+                <a:solidFill>
+                  <a:srgbClr val="000000"/>
+                </a:solidFill>
+                <a:effectLst/>
+                <a:uFillTx/>
+                <a:latin typeface="Arial"/>
+              </a:rPr>
+              <a:t>Sixth Outline Level</a:t>
+            </a:r>
+            <a:endParaRPr b="0" lang="en-US" sz="2000" strike="noStrike" u="none">
+              <a:solidFill>
+                <a:srgbClr val="000000"/>
+              </a:solidFill>
+              <a:effectLst/>
+              <a:uFillTx/>
+              <a:latin typeface="Arial"/>
+            </a:endParaRPr>
+          </a:p>
+          <a:p>
+            <a:pPr lvl="6" marL="3024000" indent="-216000">
+              <a:spcBef>
+                <a:spcPts val="283"/>
+              </a:spcBef>
+              <a:buClr>
+                <a:srgbClr val="000000"/>
+              </a:buClr>
+              <a:buSzPct val="45000"/>
+              <a:buFont typeface="Wingdings" charset="2"/>
+              <a:buChar char=""/>
+            </a:pPr>
+            <a:r>
+              <a:rPr b="0" lang="en-US" sz="2000" strike="noStrike" u="none">
+                <a:solidFill>
+                  <a:srgbClr val="000000"/>
+                </a:solidFill>
+                <a:effectLst/>
+                <a:uFillTx/>
+                <a:latin typeface="Arial"/>
+              </a:rPr>
+              <a:t>Seventh Outline Level</a:t>
+            </a:r>
+            <a:endParaRPr b="0" lang="en-US" sz="2000" strike="noStrike" u="none">
+              <a:solidFill>
+                <a:srgbClr val="000000"/>
+              </a:solidFill>
+              <a:effectLst/>
+              <a:uFillTx/>
+              <a:latin typeface="Arial"/>
+            </a:endParaRPr>
+          </a:p>
+        </p:txBody>
+      </p:sp>
+    </p:spTree>
+  </p:cSld>
+</p:sldLayout>
+</file>
+
+<file path=ppt/slideLayouts/slideLayout5.xml><?xml version="1.0" encoding="utf-8"?>
 <p:sldLayout xmlns:a="http://schemas.openxmlformats.org/drawingml/2006/main" xmlns:p="http://schemas.openxmlformats.org/presentationml/2006/main" xmlns:r="http://schemas.openxmlformats.org/officeDocument/2006/relationships" xmlns:p14="http://schemas.microsoft.com/office/powerpoint/2010/main" xmlns:p15="http://schemas.microsoft.com/office/powerpoint/2012/main" xmlns:mc="http://schemas.openxmlformats.org/markup-compatibility/2006" type="blank" preserve="1">
   <p:cSld name="Blank">
     <p:spTree>
@@ -338,14 +1563,14 @@
             <a:spLocks noGrp="1"/>
           </p:cNvSpPr>
           <p:nvPr>
-            <p:ph type="sldNum" idx="3"/>
+            <p:ph type="sldNum" idx="5"/>
           </p:nvPr>
         </p:nvSpPr>
         <p:spPr/>
         <p:txBody>
           <a:bodyPr/>
           <a:p>
-            <a:fld id="{E57DE786-D5B5-43DB-BB8B-4D518441510A}" type="slidenum">
+            <a:fld id="{2B186673-8F75-4059-B246-BE0247C8A7C3}" type="slidenum">
               <a:t>&lt;#&gt;</a:t>
             </a:fld>
           </a:p>
@@ -402,7 +1627,7 @@
         <p:spPr>
           <a:xfrm>
             <a:off x="333000" y="1118520"/>
-            <a:ext cx="11932560" cy="4443120"/>
+            <a:ext cx="11932200" cy="4442760"/>
           </a:xfrm>
           <a:prstGeom prst="rect">
             <a:avLst/>
@@ -426,7 +1651,7 @@
         <p:spPr>
           <a:xfrm>
             <a:off x="7068600" y="359640"/>
-            <a:ext cx="1634040" cy="419760"/>
+            <a:ext cx="1633680" cy="419400"/>
           </a:xfrm>
           <a:prstGeom prst="rect">
             <a:avLst/>
@@ -451,7 +1676,7 @@
         <p:spPr>
           <a:xfrm>
             <a:off x="333000" y="1118520"/>
-            <a:ext cx="11932560" cy="4443120"/>
+            <a:ext cx="11932200" cy="4442760"/>
           </a:xfrm>
           <a:prstGeom prst="rect">
             <a:avLst/>
@@ -475,7 +1700,7 @@
         <p:spPr>
           <a:xfrm>
             <a:off x="7072200" y="359640"/>
-            <a:ext cx="1635480" cy="420120"/>
+            <a:ext cx="1635120" cy="419760"/>
           </a:xfrm>
           <a:prstGeom prst="rect">
             <a:avLst/>
@@ -522,6 +1747,7 @@
                 <a:solidFill>
                   <a:srgbClr val="000000"/>
                 </a:solidFill>
+                <a:effectLst/>
                 <a:uFillTx/>
                 <a:latin typeface="Arial"/>
               </a:rPr>
@@ -531,6 +1757,7 @@
               <a:solidFill>
                 <a:srgbClr val="000000"/>
               </a:solidFill>
+              <a:effectLst/>
               <a:uFillTx/>
               <a:latin typeface="Arial"/>
             </a:endParaRPr>
@@ -581,6 +1808,7 @@
                 <a:solidFill>
                   <a:srgbClr val="000000"/>
                 </a:solidFill>
+                <a:effectLst/>
                 <a:uFillTx/>
                 <a:latin typeface="Arial"/>
               </a:rPr>
@@ -590,6 +1818,7 @@
               <a:solidFill>
                 <a:srgbClr val="000000"/>
               </a:solidFill>
+              <a:effectLst/>
               <a:uFillTx/>
               <a:latin typeface="Arial"/>
             </a:endParaRPr>
@@ -611,6 +1840,7 @@
                 <a:solidFill>
                   <a:srgbClr val="000000"/>
                 </a:solidFill>
+                <a:effectLst/>
                 <a:uFillTx/>
                 <a:latin typeface="Arial"/>
               </a:rPr>
@@ -620,6 +1850,7 @@
               <a:solidFill>
                 <a:srgbClr val="000000"/>
               </a:solidFill>
+              <a:effectLst/>
               <a:uFillTx/>
               <a:latin typeface="Arial"/>
             </a:endParaRPr>
@@ -641,6 +1872,7 @@
                 <a:solidFill>
                   <a:srgbClr val="000000"/>
                 </a:solidFill>
+                <a:effectLst/>
                 <a:uFillTx/>
                 <a:latin typeface="Arial"/>
               </a:rPr>
@@ -650,6 +1882,7 @@
               <a:solidFill>
                 <a:srgbClr val="000000"/>
               </a:solidFill>
+              <a:effectLst/>
               <a:uFillTx/>
               <a:latin typeface="Arial"/>
             </a:endParaRPr>
@@ -671,6 +1904,7 @@
                 <a:solidFill>
                   <a:srgbClr val="000000"/>
                 </a:solidFill>
+                <a:effectLst/>
                 <a:uFillTx/>
                 <a:latin typeface="Arial"/>
               </a:rPr>
@@ -680,6 +1914,7 @@
               <a:solidFill>
                 <a:srgbClr val="000000"/>
               </a:solidFill>
+              <a:effectLst/>
               <a:uFillTx/>
               <a:latin typeface="Arial"/>
             </a:endParaRPr>
@@ -701,6 +1936,7 @@
                 <a:solidFill>
                   <a:srgbClr val="000000"/>
                 </a:solidFill>
+                <a:effectLst/>
                 <a:uFillTx/>
                 <a:latin typeface="Arial"/>
               </a:rPr>
@@ -710,6 +1946,7 @@
               <a:solidFill>
                 <a:srgbClr val="000000"/>
               </a:solidFill>
+              <a:effectLst/>
               <a:uFillTx/>
               <a:latin typeface="Arial"/>
             </a:endParaRPr>
@@ -731,6 +1968,7 @@
                 <a:solidFill>
                   <a:srgbClr val="000000"/>
                 </a:solidFill>
+                <a:effectLst/>
                 <a:uFillTx/>
                 <a:latin typeface="Arial"/>
               </a:rPr>
@@ -740,6 +1978,7 @@
               <a:solidFill>
                 <a:srgbClr val="000000"/>
               </a:solidFill>
+              <a:effectLst/>
               <a:uFillTx/>
               <a:latin typeface="Arial"/>
             </a:endParaRPr>
@@ -761,6 +2000,7 @@
                 <a:solidFill>
                   <a:srgbClr val="000000"/>
                 </a:solidFill>
+                <a:effectLst/>
                 <a:uFillTx/>
                 <a:latin typeface="Arial"/>
               </a:rPr>
@@ -770,6 +2010,7 @@
               <a:solidFill>
                 <a:srgbClr val="000000"/>
               </a:solidFill>
+              <a:effectLst/>
               <a:uFillTx/>
               <a:latin typeface="Arial"/>
             </a:endParaRPr>
@@ -789,7 +2030,7 @@
         <p:spPr>
           <a:xfrm>
             <a:off x="8709480" y="4822200"/>
-            <a:ext cx="204480" cy="143640"/>
+            <a:ext cx="204120" cy="143280"/>
           </a:xfrm>
           <a:prstGeom prst="rect">
             <a:avLst/>
@@ -816,6 +2057,7 @@
                 <a:solidFill>
                   <a:srgbClr val="4d4e4f"/>
                 </a:solidFill>
+                <a:effectLst/>
                 <a:uFillTx/>
                 <a:latin typeface="Arial"/>
                 <a:ea typeface="Arial"/>
@@ -832,11 +2074,12 @@
                 <a:tab algn="l" pos="0"/>
               </a:tabLst>
             </a:pPr>
-            <a:fld id="{3888DFC3-FCA0-47F9-92A3-9D51B4C89542}" type="slidenum">
+            <a:fld id="{5FBBFA02-5160-4685-A783-FE1B96E2EF33}" type="slidenum">
               <a:rPr b="0" lang="ru" sz="1100" strike="noStrike" u="none">
                 <a:solidFill>
                   <a:srgbClr val="4d4e4f"/>
                 </a:solidFill>
+                <a:effectLst/>
                 <a:uFillTx/>
                 <a:latin typeface="Arial"/>
                 <a:ea typeface="Arial"/>
@@ -847,6 +2090,7 @@
               <a:solidFill>
                 <a:srgbClr val="000000"/>
               </a:solidFill>
+              <a:effectLst/>
               <a:uFillTx/>
               <a:latin typeface="Times New Roman"/>
             </a:endParaRPr>
@@ -863,6 +2107,34 @@
 </file>
 
 <file path=ppt/slideMasters/slideMaster2.xml><?xml version="1.0" encoding="utf-8"?>
+<p:sldMaster xmlns:a="http://schemas.openxmlformats.org/drawingml/2006/main" xmlns:p="http://schemas.openxmlformats.org/presentationml/2006/main" xmlns:r="http://schemas.openxmlformats.org/officeDocument/2006/relationships" xmlns:p14="http://schemas.microsoft.com/office/powerpoint/2010/main" xmlns:p15="http://schemas.microsoft.com/office/powerpoint/2012/main" xmlns:mc="http://schemas.openxmlformats.org/markup-compatibility/2006">
+  <p:cSld>
+    <p:spTree>
+      <p:nvGrpSpPr>
+        <p:cNvPr id="1" name=""/>
+        <p:cNvGrpSpPr/>
+        <p:nvPr/>
+      </p:nvGrpSpPr>
+      <p:grpSpPr>
+        <a:xfrm>
+          <a:off x="0" y="0"/>
+          <a:ext cx="0" cy="0"/>
+          <a:chOff x="0" y="0"/>
+          <a:chExt cx="0" cy="0"/>
+        </a:xfrm>
+      </p:grpSpPr>
+    </p:spTree>
+  </p:cSld>
+  <p:clrMap bg1="lt1" tx1="dk1" bg2="lt2" tx2="dk2" accent1="accent1" accent2="accent2" accent3="accent3" accent4="accent4" accent5="accent5" accent6="accent6" hlink="hlink" folHlink="folHlink"/>
+  <p:sldLayoutIdLst>
+    <p:sldLayoutId id="2147483651" r:id="rId2"/>
+    <p:sldLayoutId id="2147483652" r:id="rId3"/>
+    <p:sldLayoutId id="2147483653" r:id="rId4"/>
+  </p:sldLayoutIdLst>
+</p:sldMaster>
+</file>
+
+<file path=ppt/slideMasters/slideMaster4.xml><?xml version="1.0" encoding="utf-8"?>
 <p:sldMaster xmlns:a="http://schemas.openxmlformats.org/drawingml/2006/main" xmlns:p="http://schemas.openxmlformats.org/presentationml/2006/main" xmlns:r="http://schemas.openxmlformats.org/officeDocument/2006/relationships" xmlns:p14="http://schemas.microsoft.com/office/powerpoint/2010/main" xmlns:p15="http://schemas.microsoft.com/office/powerpoint/2012/main" xmlns:mc="http://schemas.openxmlformats.org/markup-compatibility/2006">
   <p:cSld>
     <p:bg>
@@ -888,7 +2160,7 @@
       </p:grpSpPr>
       <p:pic>
         <p:nvPicPr>
-          <p:cNvPr id="9" name="Google Shape;6;p1" descr=""/>
+          <p:cNvPr id="24" name="Google Shape;6;p1" descr=""/>
           <p:cNvPicPr/>
           <p:nvPr/>
         </p:nvPicPr>
@@ -900,7 +2172,7 @@
         <p:spPr>
           <a:xfrm>
             <a:off x="333000" y="1118520"/>
-            <a:ext cx="11932560" cy="4443120"/>
+            <a:ext cx="11932200" cy="4442760"/>
           </a:xfrm>
           <a:prstGeom prst="rect">
             <a:avLst/>
@@ -913,7 +2185,7 @@
       </p:pic>
       <p:pic>
         <p:nvPicPr>
-          <p:cNvPr id="10" name="Google Shape;8;p1" descr="Image"/>
+          <p:cNvPr id="25" name="Google Shape;8;p1" descr="Image"/>
           <p:cNvPicPr/>
           <p:nvPr/>
         </p:nvPicPr>
@@ -924,7 +2196,7 @@
         <p:spPr>
           <a:xfrm>
             <a:off x="7068600" y="359640"/>
-            <a:ext cx="1634040" cy="419760"/>
+            <a:ext cx="1633680" cy="419400"/>
           </a:xfrm>
           <a:prstGeom prst="rect">
             <a:avLst/>
@@ -937,18 +2209,18 @@
       </p:pic>
       <p:sp>
         <p:nvSpPr>
-          <p:cNvPr id="11" name="PlaceHolder 1"/>
+          <p:cNvPr id="26" name="PlaceHolder 1"/>
           <p:cNvSpPr>
             <a:spLocks noGrp="1"/>
           </p:cNvSpPr>
           <p:nvPr>
-            <p:ph type="sldNum" idx="2"/>
+            <p:ph type="sldNum" idx="5"/>
           </p:nvPr>
         </p:nvSpPr>
         <p:spPr>
           <a:xfrm>
-            <a:off x="8704080" y="4816440"/>
-            <a:ext cx="204480" cy="143640"/>
+            <a:off x="4363560" y="4321800"/>
+            <a:ext cx="204120" cy="143280"/>
           </a:xfrm>
           <a:prstGeom prst="rect">
             <a:avLst/>
@@ -975,6 +2247,7 @@
                 <a:solidFill>
                   <a:srgbClr val="4d4e4f"/>
                 </a:solidFill>
+                <a:effectLst/>
                 <a:uFillTx/>
                 <a:latin typeface="Arial"/>
                 <a:ea typeface="Arial"/>
@@ -991,313 +2264,25 @@
                 <a:tab algn="l" pos="0"/>
               </a:tabLst>
             </a:pPr>
-            <a:fld id="{92074482-3398-4C89-A55B-8346DEC4C9AA}" type="slidenum">
+            <a:fld id="{C91CE29F-E8FD-4490-9144-E4755A5F6698}" type="slidenum">
               <a:rPr b="0" lang="ru" sz="1100" strike="noStrike" u="none">
                 <a:solidFill>
                   <a:srgbClr val="4d4e4f"/>
                 </a:solidFill>
+                <a:effectLst/>
                 <a:uFillTx/>
                 <a:latin typeface="Arial"/>
                 <a:ea typeface="Arial"/>
               </a:rPr>
-              <a:t>1</a:t>
+              <a:t>&lt;number&gt;</a:t>
             </a:fld>
             <a:endParaRPr b="0" lang="en-US" sz="1100" strike="noStrike" u="none">
               <a:solidFill>
                 <a:srgbClr val="000000"/>
               </a:solidFill>
+              <a:effectLst/>
               <a:uFillTx/>
               <a:latin typeface="Times New Roman"/>
-            </a:endParaRPr>
-          </a:p>
-        </p:txBody>
-      </p:sp>
-      <p:sp>
-        <p:nvSpPr>
-          <p:cNvPr id="12" name="PlaceHolder 2"/>
-          <p:cNvSpPr>
-            <a:spLocks noGrp="1"/>
-          </p:cNvSpPr>
-          <p:nvPr>
-            <p:ph type="title"/>
-          </p:nvPr>
-        </p:nvSpPr>
-        <p:spPr>
-          <a:xfrm>
-            <a:off x="457200" y="205200"/>
-            <a:ext cx="8229240" cy="858600"/>
-          </a:xfrm>
-          <a:prstGeom prst="rect">
-            <a:avLst/>
-          </a:prstGeom>
-          <a:noFill/>
-          <a:ln w="0">
-            <a:noFill/>
-          </a:ln>
-        </p:spPr>
-        <p:txBody>
-          <a:bodyPr lIns="0" rIns="0" tIns="0" bIns="0" anchor="ctr">
-            <a:noAutofit/>
-          </a:bodyPr>
-          <a:p>
-            <a:pPr indent="0" algn="ctr">
-              <a:buNone/>
-            </a:pPr>
-            <a:r>
-              <a:rPr b="0" lang="en-US" sz="4400" strike="noStrike" u="none">
-                <a:solidFill>
-                  <a:srgbClr val="000000"/>
-                </a:solidFill>
-                <a:uFillTx/>
-                <a:latin typeface="Arial"/>
-              </a:rPr>
-              <a:t>Click to edit the title text format</a:t>
-            </a:r>
-            <a:endParaRPr b="0" lang="en-US" sz="4400" strike="noStrike" u="none">
-              <a:solidFill>
-                <a:srgbClr val="000000"/>
-              </a:solidFill>
-              <a:uFillTx/>
-              <a:latin typeface="Arial"/>
-            </a:endParaRPr>
-          </a:p>
-        </p:txBody>
-      </p:sp>
-      <p:sp>
-        <p:nvSpPr>
-          <p:cNvPr id="13" name="PlaceHolder 3"/>
-          <p:cNvSpPr>
-            <a:spLocks noGrp="1"/>
-          </p:cNvSpPr>
-          <p:nvPr>
-            <p:ph type="body"/>
-          </p:nvPr>
-        </p:nvSpPr>
-        <p:spPr>
-          <a:xfrm>
-            <a:off x="457200" y="1203480"/>
-            <a:ext cx="8229240" cy="2982960"/>
-          </a:xfrm>
-          <a:prstGeom prst="rect">
-            <a:avLst/>
-          </a:prstGeom>
-          <a:noFill/>
-          <a:ln w="0">
-            <a:noFill/>
-          </a:ln>
-        </p:spPr>
-        <p:txBody>
-          <a:bodyPr lIns="0" rIns="0" tIns="0" bIns="0" anchor="t">
-            <a:normAutofit/>
-          </a:bodyPr>
-          <a:p>
-            <a:pPr marL="432000" indent="-324000">
-              <a:spcBef>
-                <a:spcPts val="1417"/>
-              </a:spcBef>
-              <a:buClr>
-                <a:srgbClr val="000000"/>
-              </a:buClr>
-              <a:buSzPct val="45000"/>
-              <a:buFont typeface="Wingdings" charset="2"/>
-              <a:buChar char=""/>
-            </a:pPr>
-            <a:r>
-              <a:rPr b="0" lang="en-US" sz="3200" strike="noStrike" u="none">
-                <a:solidFill>
-                  <a:srgbClr val="000000"/>
-                </a:solidFill>
-                <a:uFillTx/>
-                <a:latin typeface="Arial"/>
-              </a:rPr>
-              <a:t>Click to edit the outline text format</a:t>
-            </a:r>
-            <a:endParaRPr b="0" lang="en-US" sz="3200" strike="noStrike" u="none">
-              <a:solidFill>
-                <a:srgbClr val="000000"/>
-              </a:solidFill>
-              <a:uFillTx/>
-              <a:latin typeface="Arial"/>
-            </a:endParaRPr>
-          </a:p>
-          <a:p>
-            <a:pPr lvl="1" marL="864000" indent="-324000">
-              <a:spcBef>
-                <a:spcPts val="1134"/>
-              </a:spcBef>
-              <a:buClr>
-                <a:srgbClr val="000000"/>
-              </a:buClr>
-              <a:buSzPct val="75000"/>
-              <a:buFont typeface="Symbol" charset="2"/>
-              <a:buChar char=""/>
-            </a:pPr>
-            <a:r>
-              <a:rPr b="0" lang="en-US" sz="2800" strike="noStrike" u="none">
-                <a:solidFill>
-                  <a:srgbClr val="000000"/>
-                </a:solidFill>
-                <a:uFillTx/>
-                <a:latin typeface="Arial"/>
-              </a:rPr>
-              <a:t>Second Outline Level</a:t>
-            </a:r>
-            <a:endParaRPr b="0" lang="en-US" sz="2800" strike="noStrike" u="none">
-              <a:solidFill>
-                <a:srgbClr val="000000"/>
-              </a:solidFill>
-              <a:uFillTx/>
-              <a:latin typeface="Arial"/>
-            </a:endParaRPr>
-          </a:p>
-          <a:p>
-            <a:pPr lvl="2" marL="1296000" indent="-288000">
-              <a:spcBef>
-                <a:spcPts val="850"/>
-              </a:spcBef>
-              <a:buClr>
-                <a:srgbClr val="000000"/>
-              </a:buClr>
-              <a:buSzPct val="45000"/>
-              <a:buFont typeface="Wingdings" charset="2"/>
-              <a:buChar char=""/>
-            </a:pPr>
-            <a:r>
-              <a:rPr b="0" lang="en-US" sz="2400" strike="noStrike" u="none">
-                <a:solidFill>
-                  <a:srgbClr val="000000"/>
-                </a:solidFill>
-                <a:uFillTx/>
-                <a:latin typeface="Arial"/>
-              </a:rPr>
-              <a:t>Third Outline Level</a:t>
-            </a:r>
-            <a:endParaRPr b="0" lang="en-US" sz="2400" strike="noStrike" u="none">
-              <a:solidFill>
-                <a:srgbClr val="000000"/>
-              </a:solidFill>
-              <a:uFillTx/>
-              <a:latin typeface="Arial"/>
-            </a:endParaRPr>
-          </a:p>
-          <a:p>
-            <a:pPr lvl="3" marL="1728000" indent="-216000">
-              <a:spcBef>
-                <a:spcPts val="567"/>
-              </a:spcBef>
-              <a:buClr>
-                <a:srgbClr val="000000"/>
-              </a:buClr>
-              <a:buSzPct val="75000"/>
-              <a:buFont typeface="Symbol" charset="2"/>
-              <a:buChar char=""/>
-            </a:pPr>
-            <a:r>
-              <a:rPr b="0" lang="en-US" sz="2000" strike="noStrike" u="none">
-                <a:solidFill>
-                  <a:srgbClr val="000000"/>
-                </a:solidFill>
-                <a:uFillTx/>
-                <a:latin typeface="Arial"/>
-              </a:rPr>
-              <a:t>Fourth Outline Level</a:t>
-            </a:r>
-            <a:endParaRPr b="0" lang="en-US" sz="2000" strike="noStrike" u="none">
-              <a:solidFill>
-                <a:srgbClr val="000000"/>
-              </a:solidFill>
-              <a:uFillTx/>
-              <a:latin typeface="Arial"/>
-            </a:endParaRPr>
-          </a:p>
-          <a:p>
-            <a:pPr lvl="4" marL="2160000" indent="-216000">
-              <a:spcBef>
-                <a:spcPts val="283"/>
-              </a:spcBef>
-              <a:buClr>
-                <a:srgbClr val="000000"/>
-              </a:buClr>
-              <a:buSzPct val="45000"/>
-              <a:buFont typeface="Wingdings" charset="2"/>
-              <a:buChar char=""/>
-            </a:pPr>
-            <a:r>
-              <a:rPr b="0" lang="en-US" sz="2000" strike="noStrike" u="none">
-                <a:solidFill>
-                  <a:srgbClr val="000000"/>
-                </a:solidFill>
-                <a:uFillTx/>
-                <a:latin typeface="Arial"/>
-              </a:rPr>
-              <a:t>Fifth Outline Level</a:t>
-            </a:r>
-            <a:endParaRPr b="0" lang="en-US" sz="2000" strike="noStrike" u="none">
-              <a:solidFill>
-                <a:srgbClr val="000000"/>
-              </a:solidFill>
-              <a:uFillTx/>
-              <a:latin typeface="Arial"/>
-            </a:endParaRPr>
-          </a:p>
-          <a:p>
-            <a:pPr lvl="5" marL="2592000" indent="-216000">
-              <a:spcBef>
-                <a:spcPts val="283"/>
-              </a:spcBef>
-              <a:buClr>
-                <a:srgbClr val="000000"/>
-              </a:buClr>
-              <a:buSzPct val="45000"/>
-              <a:buFont typeface="Wingdings" charset="2"/>
-              <a:buChar char=""/>
-            </a:pPr>
-            <a:r>
-              <a:rPr b="0" lang="en-US" sz="2000" strike="noStrike" u="none">
-                <a:solidFill>
-                  <a:srgbClr val="000000"/>
-                </a:solidFill>
-                <a:uFillTx/>
-                <a:latin typeface="Arial"/>
-              </a:rPr>
-              <a:t>Sixth Outline Level</a:t>
-            </a:r>
-            <a:endParaRPr b="0" lang="en-US" sz="2000" strike="noStrike" u="none">
-              <a:solidFill>
-                <a:srgbClr val="000000"/>
-              </a:solidFill>
-              <a:uFillTx/>
-              <a:latin typeface="Arial"/>
-            </a:endParaRPr>
-          </a:p>
-          <a:p>
-            <a:pPr lvl="6" marL="3024000" indent="-216000">
-              <a:spcBef>
-                <a:spcPts val="283"/>
-              </a:spcBef>
-              <a:buClr>
-                <a:srgbClr val="000000"/>
-              </a:buClr>
-              <a:buSzPct val="45000"/>
-              <a:buFont typeface="Wingdings" charset="2"/>
-              <a:buChar char=""/>
-            </a:pPr>
-            <a:r>
-              <a:rPr b="0" lang="en-US" sz="2000" strike="noStrike" u="none">
-                <a:solidFill>
-                  <a:srgbClr val="000000"/>
-                </a:solidFill>
-                <a:uFillTx/>
-                <a:latin typeface="Arial"/>
-              </a:rPr>
-              <a:t>Seventh Outline Level</a:t>
-            </a:r>
-            <a:endParaRPr b="0" lang="en-US" sz="2000" strike="noStrike" u="none">
-              <a:solidFill>
-                <a:srgbClr val="000000"/>
-              </a:solidFill>
-              <a:uFillTx/>
-              <a:latin typeface="Arial"/>
             </a:endParaRPr>
           </a:p>
         </p:txBody>
@@ -1306,167 +2291,7 @@
   </p:cSld>
   <p:clrMap bg1="lt1" tx1="dk1" bg2="lt2" tx2="dk2" accent1="accent1" accent2="accent2" accent3="accent3" accent4="accent4" accent5="accent5" accent6="accent6" hlink="hlink" folHlink="folHlink"/>
   <p:sldLayoutIdLst>
-    <p:sldLayoutId id="2147483651" r:id="rId4"/>
-    <p:sldLayoutId id="2147483652" r:id="rId5"/>
-  </p:sldLayoutIdLst>
-</p:sldMaster>
-</file>
-
-<file path=ppt/slideMasters/slideMaster3.xml><?xml version="1.0" encoding="utf-8"?>
-<p:sldMaster xmlns:a="http://schemas.openxmlformats.org/drawingml/2006/main" xmlns:p="http://schemas.openxmlformats.org/presentationml/2006/main" xmlns:r="http://schemas.openxmlformats.org/officeDocument/2006/relationships" xmlns:p14="http://schemas.microsoft.com/office/powerpoint/2010/main" xmlns:p15="http://schemas.microsoft.com/office/powerpoint/2012/main" xmlns:mc="http://schemas.openxmlformats.org/markup-compatibility/2006">
-  <p:cSld>
-    <p:bg>
-      <p:bgPr>
-        <a:solidFill>
-          <a:srgbClr val="ffffff"/>
-        </a:solidFill>
-      </p:bgPr>
-    </p:bg>
-    <p:spTree>
-      <p:nvGrpSpPr>
-        <p:cNvPr id="1" name=""/>
-        <p:cNvGrpSpPr/>
-        <p:nvPr/>
-      </p:nvGrpSpPr>
-      <p:grpSpPr>
-        <a:xfrm>
-          <a:off x="0" y="0"/>
-          <a:ext cx="0" cy="0"/>
-          <a:chOff x="0" y="0"/>
-          <a:chExt cx="0" cy="0"/>
-        </a:xfrm>
-      </p:grpSpPr>
-      <p:pic>
-        <p:nvPicPr>
-          <p:cNvPr id="16" name="Google Shape;6;p1" descr=""/>
-          <p:cNvPicPr/>
-          <p:nvPr/>
-        </p:nvPicPr>
-        <p:blipFill>
-          <a:blip r:embed="rId2"/>
-          <a:srcRect l="0" t="55" r="0" b="55"/>
-          <a:stretch/>
-        </p:blipFill>
-        <p:spPr>
-          <a:xfrm>
-            <a:off x="333000" y="1118520"/>
-            <a:ext cx="11932560" cy="4443120"/>
-          </a:xfrm>
-          <a:prstGeom prst="rect">
-            <a:avLst/>
-          </a:prstGeom>
-          <a:noFill/>
-          <a:ln w="0">
-            <a:noFill/>
-          </a:ln>
-        </p:spPr>
-      </p:pic>
-      <p:pic>
-        <p:nvPicPr>
-          <p:cNvPr id="17" name="Google Shape;8;p1" descr="Image"/>
-          <p:cNvPicPr/>
-          <p:nvPr/>
-        </p:nvPicPr>
-        <p:blipFill>
-          <a:blip r:embed="rId3"/>
-          <a:stretch/>
-        </p:blipFill>
-        <p:spPr>
-          <a:xfrm>
-            <a:off x="7068600" y="359640"/>
-            <a:ext cx="1634040" cy="419760"/>
-          </a:xfrm>
-          <a:prstGeom prst="rect">
-            <a:avLst/>
-          </a:prstGeom>
-          <a:noFill/>
-          <a:ln w="0">
-            <a:noFill/>
-          </a:ln>
-        </p:spPr>
-      </p:pic>
-      <p:sp>
-        <p:nvSpPr>
-          <p:cNvPr id="18" name="PlaceHolder 1"/>
-          <p:cNvSpPr>
-            <a:spLocks noGrp="1"/>
-          </p:cNvSpPr>
-          <p:nvPr>
-            <p:ph type="sldNum" idx="3"/>
-          </p:nvPr>
-        </p:nvSpPr>
-        <p:spPr>
-          <a:xfrm>
-            <a:off x="4363560" y="4321800"/>
-            <a:ext cx="204480" cy="143640"/>
-          </a:xfrm>
-          <a:prstGeom prst="rect">
-            <a:avLst/>
-          </a:prstGeom>
-          <a:noFill/>
-          <a:ln w="0">
-            <a:noFill/>
-          </a:ln>
-        </p:spPr>
-        <p:txBody>
-          <a:bodyPr lIns="19080" rIns="19080" tIns="19080" bIns="19080" anchor="t">
-            <a:noAutofit/>
-          </a:bodyPr>
-          <a:lstStyle>
-            <a:lvl1pPr indent="0" algn="r">
-              <a:lnSpc>
-                <a:spcPct val="100000"/>
-              </a:lnSpc>
-              <a:buNone/>
-              <a:tabLst>
-                <a:tab algn="l" pos="0"/>
-              </a:tabLst>
-              <a:defRPr b="0" lang="ru" sz="1100" strike="noStrike" u="none">
-                <a:solidFill>
-                  <a:srgbClr val="4d4e4f"/>
-                </a:solidFill>
-                <a:uFillTx/>
-                <a:latin typeface="Arial"/>
-                <a:ea typeface="Arial"/>
-              </a:defRPr>
-            </a:lvl1pPr>
-          </a:lstStyle>
-          <a:p>
-            <a:pPr indent="0" algn="r">
-              <a:lnSpc>
-                <a:spcPct val="100000"/>
-              </a:lnSpc>
-              <a:buNone/>
-              <a:tabLst>
-                <a:tab algn="l" pos="0"/>
-              </a:tabLst>
-            </a:pPr>
-            <a:fld id="{4689207A-3367-4047-86B1-9C00F9F4ED98}" type="slidenum">
-              <a:rPr b="0" lang="ru" sz="1100" strike="noStrike" u="none">
-                <a:solidFill>
-                  <a:srgbClr val="4d4e4f"/>
-                </a:solidFill>
-                <a:uFillTx/>
-                <a:latin typeface="Arial"/>
-                <a:ea typeface="Arial"/>
-              </a:rPr>
-              <a:t>1</a:t>
-            </a:fld>
-            <a:endParaRPr b="0" lang="en-US" sz="1100" strike="noStrike" u="none">
-              <a:solidFill>
-                <a:srgbClr val="000000"/>
-              </a:solidFill>
-              <a:uFillTx/>
-              <a:latin typeface="Times New Roman"/>
-            </a:endParaRPr>
-          </a:p>
-        </p:txBody>
-      </p:sp>
-    </p:spTree>
-  </p:cSld>
-  <p:clrMap bg1="lt1" tx1="dk1" bg2="lt2" tx2="dk2" accent1="accent1" accent2="accent2" accent3="accent3" accent4="accent4" accent5="accent5" accent6="accent6" hlink="hlink" folHlink="folHlink"/>
-  <p:sldLayoutIdLst>
-    <p:sldLayoutId id="2147483654" r:id="rId4"/>
+    <p:sldLayoutId id="2147483655" r:id="rId4"/>
   </p:sldLayoutIdLst>
 </p:sldMaster>
 </file>
@@ -1490,7 +2315,7 @@
       </p:grpSpPr>
       <p:sp>
         <p:nvSpPr>
-          <p:cNvPr id="19" name="PlaceHolder 1"/>
+          <p:cNvPr id="27" name="PlaceHolder 1"/>
           <p:cNvSpPr>
             <a:spLocks noGrp="1"/>
           </p:cNvSpPr>
@@ -1501,7 +2326,7 @@
         <p:spPr>
           <a:xfrm>
             <a:off x="360000" y="1600200"/>
-            <a:ext cx="5811840" cy="581040"/>
+            <a:ext cx="5811480" cy="580680"/>
           </a:xfrm>
           <a:prstGeom prst="rect">
             <a:avLst/>
@@ -1530,11 +2355,12 @@
                 <a:solidFill>
                   <a:srgbClr val="ffffff"/>
                 </a:solidFill>
+                <a:effectLst/>
                 <a:uFillTx/>
                 <a:latin typeface="Arial"/>
                 <a:ea typeface="Arial"/>
               </a:rPr>
-              <a:t>5 марта - День службы военных сообщений</a:t>
+              <a:t>18 июня - День службы военных сообщений</a:t>
             </a:r>
             <a:br>
               <a:rPr sz="3600"/>
@@ -1543,6 +2369,7 @@
               <a:solidFill>
                 <a:srgbClr val="000000"/>
               </a:solidFill>
+              <a:effectLst/>
               <a:uFillTx/>
               <a:latin typeface="Arial"/>
             </a:endParaRPr>
@@ -1551,7 +2378,7 @@
       </p:sp>
       <p:sp>
         <p:nvSpPr>
-          <p:cNvPr id="20" name="PlaceHolder 2"/>
+          <p:cNvPr id="28" name="PlaceHolder 2"/>
           <p:cNvSpPr>
             <a:spLocks noGrp="1"/>
           </p:cNvSpPr>
@@ -1562,7 +2389,7 @@
         <p:spPr>
           <a:xfrm>
             <a:off x="360000" y="2069640"/>
-            <a:ext cx="7808760" cy="444600"/>
+            <a:ext cx="7808400" cy="444240"/>
           </a:xfrm>
           <a:prstGeom prst="rect">
             <a:avLst/>
@@ -1591,6 +2418,7 @@
                 <a:solidFill>
                   <a:srgbClr val="ffffff"/>
                 </a:solidFill>
+                <a:effectLst/>
                 <a:uFillTx/>
                 <a:latin typeface="Arial"/>
                 <a:ea typeface="Arial"/>
@@ -1601,6 +2429,7 @@
               <a:solidFill>
                 <a:srgbClr val="000000"/>
               </a:solidFill>
+              <a:effectLst/>
               <a:uFillTx/>
               <a:latin typeface="Arial"/>
             </a:endParaRPr>
@@ -1620,6 +2449,7 @@
                 <a:solidFill>
                   <a:srgbClr val="ffffff"/>
                 </a:solidFill>
+                <a:effectLst/>
                 <a:uFillTx/>
                 <a:latin typeface="Arial"/>
                 <a:ea typeface="Arial"/>
@@ -1630,6 +2460,7 @@
               <a:solidFill>
                 <a:srgbClr val="000000"/>
               </a:solidFill>
+              <a:effectLst/>
               <a:uFillTx/>
               <a:latin typeface="Arial"/>
             </a:endParaRPr>
@@ -1638,18 +2469,18 @@
       </p:sp>
       <p:sp>
         <p:nvSpPr>
-          <p:cNvPr id="21" name="PlaceHolder 3"/>
+          <p:cNvPr id="29" name="PlaceHolder 3"/>
           <p:cNvSpPr>
             <a:spLocks noGrp="1"/>
           </p:cNvSpPr>
           <p:nvPr>
-            <p:ph type="sldNum" idx="4"/>
+            <p:ph type="sldNum" idx="6"/>
           </p:nvPr>
         </p:nvSpPr>
         <p:spPr>
           <a:xfrm>
             <a:off x="8709480" y="4822200"/>
-            <a:ext cx="204480" cy="143640"/>
+            <a:ext cx="204120" cy="143280"/>
           </a:xfrm>
           <a:prstGeom prst="rect">
             <a:avLst/>
@@ -1676,6 +2507,7 @@
                 <a:solidFill>
                   <a:srgbClr val="4d4e4f"/>
                 </a:solidFill>
+                <a:effectLst/>
                 <a:uFillTx/>
                 <a:latin typeface="Arial"/>
                 <a:ea typeface="Arial"/>
@@ -1692,21 +2524,23 @@
                 <a:tab algn="l" pos="0"/>
               </a:tabLst>
             </a:pPr>
-            <a:fld id="{4CFD70FA-0152-4AF9-915C-A996C9D4C24A}" type="slidenum">
+            <a:fld id="{00E1ED0B-9D31-41E9-AF10-A3B610A0588A}" type="slidenum">
               <a:rPr b="0" lang="ru" sz="1100" strike="noStrike" u="none">
                 <a:solidFill>
                   <a:srgbClr val="4d4e4f"/>
                 </a:solidFill>
+                <a:effectLst/>
                 <a:uFillTx/>
                 <a:latin typeface="Arial"/>
                 <a:ea typeface="Arial"/>
               </a:rPr>
-              <a:t>1</a:t>
+              <a:t>&lt;number&gt;</a:t>
             </a:fld>
             <a:endParaRPr b="0" lang="en-US" sz="1100" strike="noStrike" u="none">
               <a:solidFill>
                 <a:srgbClr val="000000"/>
               </a:solidFill>
+              <a:effectLst/>
               <a:uFillTx/>
               <a:latin typeface="Times New Roman"/>
             </a:endParaRPr>
@@ -1745,7 +2579,7 @@
       </p:grpSpPr>
       <p:sp>
         <p:nvSpPr>
-          <p:cNvPr id="22" name="PlaceHolder 1"/>
+          <p:cNvPr id="30" name="PlaceHolder 1"/>
           <p:cNvSpPr>
             <a:spLocks noGrp="1"/>
           </p:cNvSpPr>
@@ -1756,7 +2590,7 @@
         <p:spPr>
           <a:xfrm>
             <a:off x="442800" y="337680"/>
-            <a:ext cx="6254280" cy="438840"/>
+            <a:ext cx="6253920" cy="438480"/>
           </a:xfrm>
           <a:prstGeom prst="rect">
             <a:avLst/>
@@ -1785,6 +2619,7 @@
                 <a:solidFill>
                   <a:srgbClr val="ff9400"/>
                 </a:solidFill>
+                <a:effectLst/>
                 <a:uFillTx/>
                 <a:latin typeface="Arial"/>
                 <a:ea typeface="Arial"/>
@@ -1795,6 +2630,7 @@
               <a:solidFill>
                 <a:srgbClr val="000000"/>
               </a:solidFill>
+              <a:effectLst/>
               <a:uFillTx/>
               <a:latin typeface="Arial"/>
             </a:endParaRPr>
@@ -1803,18 +2639,18 @@
       </p:sp>
       <p:sp>
         <p:nvSpPr>
-          <p:cNvPr id="23" name="PlaceHolder 2"/>
+          <p:cNvPr id="31" name="PlaceHolder 2"/>
           <p:cNvSpPr>
             <a:spLocks noGrp="1"/>
           </p:cNvSpPr>
           <p:nvPr>
-            <p:ph type="sldNum" idx="5"/>
+            <p:ph type="sldNum" idx="7"/>
           </p:nvPr>
         </p:nvSpPr>
         <p:spPr>
           <a:xfrm>
             <a:off x="8704080" y="4816440"/>
-            <a:ext cx="204480" cy="143640"/>
+            <a:ext cx="204120" cy="143280"/>
           </a:xfrm>
           <a:prstGeom prst="rect">
             <a:avLst/>
@@ -1841,6 +2677,7 @@
                 <a:solidFill>
                   <a:srgbClr val="4d4e4f"/>
                 </a:solidFill>
+                <a:effectLst/>
                 <a:uFillTx/>
                 <a:latin typeface="Arial"/>
                 <a:ea typeface="Arial"/>
@@ -1857,21 +2694,23 @@
                 <a:tab algn="l" pos="0"/>
               </a:tabLst>
             </a:pPr>
-            <a:fld id="{F52AC455-8608-4116-A453-9861C61C6D33}" type="slidenum">
+            <a:fld id="{C62B3B1A-CC16-44B3-9C24-C0DD46A0A2FF}" type="slidenum">
               <a:rPr b="0" lang="ru" sz="1100" strike="noStrike" u="none">
                 <a:solidFill>
                   <a:srgbClr val="4d4e4f"/>
                 </a:solidFill>
+                <a:effectLst/>
                 <a:uFillTx/>
                 <a:latin typeface="Arial"/>
                 <a:ea typeface="Arial"/>
               </a:rPr>
-              <a:t>1</a:t>
+              <a:t>&lt;number&gt;</a:t>
             </a:fld>
             <a:endParaRPr b="0" lang="en-US" sz="1100" strike="noStrike" u="none">
               <a:solidFill>
                 <a:srgbClr val="000000"/>
               </a:solidFill>
+              <a:effectLst/>
               <a:uFillTx/>
               <a:latin typeface="Times New Roman"/>
             </a:endParaRPr>
@@ -1880,7 +2719,7 @@
       </p:sp>
       <p:pic>
         <p:nvPicPr>
-          <p:cNvPr id="24" name="Picture 3" descr="G:\!DOWNLOADS\istoriya-vso-4-f.jpg"/>
+          <p:cNvPr id="32" name="Picture 3" descr="G:\!DOWNLOADS\istoriya-vso-4-f.jpg"/>
           <p:cNvPicPr/>
           <p:nvPr/>
         </p:nvPicPr>
@@ -1891,7 +2730,7 @@
         <p:spPr>
           <a:xfrm>
             <a:off x="457200" y="1440000"/>
-            <a:ext cx="3871440" cy="2903400"/>
+            <a:ext cx="3871080" cy="2903040"/>
           </a:xfrm>
           <a:prstGeom prst="rect">
             <a:avLst/>
@@ -1904,7 +2743,7 @@
       </p:pic>
       <p:pic>
         <p:nvPicPr>
-          <p:cNvPr id="25" name="Picture 1" descr="G:\!DOWNLOADS\istoriya-vso-5-f.jpg"/>
+          <p:cNvPr id="33" name="Picture 1" descr="G:\!DOWNLOADS\istoriya-vso-5-f.jpg"/>
           <p:cNvPicPr/>
           <p:nvPr/>
         </p:nvPicPr>
@@ -1915,7 +2754,7 @@
         <p:spPr>
           <a:xfrm>
             <a:off x="4582440" y="1265400"/>
-            <a:ext cx="4104360" cy="3078000"/>
+            <a:ext cx="4104000" cy="3077640"/>
           </a:xfrm>
           <a:prstGeom prst="rect">
             <a:avLst/>
@@ -1958,7 +2797,7 @@
       </p:grpSpPr>
       <p:sp>
         <p:nvSpPr>
-          <p:cNvPr id="26" name="PlaceHolder 1"/>
+          <p:cNvPr id="34" name="PlaceHolder 1"/>
           <p:cNvSpPr>
             <a:spLocks noGrp="1"/>
           </p:cNvSpPr>
@@ -1969,7 +2808,7 @@
         <p:spPr>
           <a:xfrm>
             <a:off x="442800" y="337680"/>
-            <a:ext cx="6254280" cy="438840"/>
+            <a:ext cx="6253920" cy="438480"/>
           </a:xfrm>
           <a:prstGeom prst="rect">
             <a:avLst/>
@@ -1998,6 +2837,7 @@
                 <a:solidFill>
                   <a:srgbClr val="ff9400"/>
                 </a:solidFill>
+                <a:effectLst/>
                 <a:uFillTx/>
                 <a:latin typeface="Arial"/>
                 <a:ea typeface="Arial"/>
@@ -2008,6 +2848,7 @@
               <a:solidFill>
                 <a:srgbClr val="000000"/>
               </a:solidFill>
+              <a:effectLst/>
               <a:uFillTx/>
               <a:latin typeface="Arial"/>
             </a:endParaRPr>
@@ -2016,18 +2857,18 @@
       </p:sp>
       <p:sp>
         <p:nvSpPr>
-          <p:cNvPr id="27" name="PlaceHolder 2"/>
+          <p:cNvPr id="35" name="PlaceHolder 2"/>
           <p:cNvSpPr>
             <a:spLocks noGrp="1"/>
           </p:cNvSpPr>
           <p:nvPr>
-            <p:ph type="sldNum" idx="6"/>
+            <p:ph type="sldNum" idx="8"/>
           </p:nvPr>
         </p:nvSpPr>
         <p:spPr>
           <a:xfrm>
             <a:off x="8704080" y="4816440"/>
-            <a:ext cx="204480" cy="143640"/>
+            <a:ext cx="204120" cy="143280"/>
           </a:xfrm>
           <a:prstGeom prst="rect">
             <a:avLst/>
@@ -2054,6 +2895,7 @@
                 <a:solidFill>
                   <a:srgbClr val="4d4e4f"/>
                 </a:solidFill>
+                <a:effectLst/>
                 <a:uFillTx/>
                 <a:latin typeface="Arial"/>
                 <a:ea typeface="Arial"/>
@@ -2070,21 +2912,23 @@
                 <a:tab algn="l" pos="0"/>
               </a:tabLst>
             </a:pPr>
-            <a:fld id="{21A9287B-9E37-46E2-B1B6-DFA7FFFFAD35}" type="slidenum">
+            <a:fld id="{91DDAE3B-9A8B-497D-81C5-2A5C6C4BAE7A}" type="slidenum">
               <a:rPr b="0" lang="ru" sz="1100" strike="noStrike" u="none">
                 <a:solidFill>
                   <a:srgbClr val="4d4e4f"/>
                 </a:solidFill>
+                <a:effectLst/>
                 <a:uFillTx/>
                 <a:latin typeface="Arial"/>
                 <a:ea typeface="Arial"/>
               </a:rPr>
-              <a:t>1</a:t>
+              <a:t>&lt;number&gt;</a:t>
             </a:fld>
             <a:endParaRPr b="0" lang="en-US" sz="1100" strike="noStrike" u="none">
               <a:solidFill>
                 <a:srgbClr val="000000"/>
               </a:solidFill>
+              <a:effectLst/>
               <a:uFillTx/>
               <a:latin typeface="Times New Roman"/>
             </a:endParaRPr>
@@ -2093,7 +2937,7 @@
       </p:sp>
       <p:pic>
         <p:nvPicPr>
-          <p:cNvPr id="28" name="Picture 2" descr="https://mil.ru/images/istoriya-vso-10-f.jpg"/>
+          <p:cNvPr id="36" name="Picture 2" descr="https://mil.ru/images/istoriya-vso-10-f.jpg"/>
           <p:cNvPicPr/>
           <p:nvPr/>
         </p:nvPicPr>
@@ -2104,7 +2948,7 @@
         <p:spPr>
           <a:xfrm>
             <a:off x="228600" y="1371600"/>
-            <a:ext cx="4126680" cy="3094920"/>
+            <a:ext cx="4126320" cy="3094560"/>
           </a:xfrm>
           <a:prstGeom prst="rect">
             <a:avLst/>
@@ -2117,7 +2961,7 @@
       </p:pic>
       <p:pic>
         <p:nvPicPr>
-          <p:cNvPr id="29" name="Picture 4" descr="https://mil.ru/images/istoriya-vso-11-f.jpg"/>
+          <p:cNvPr id="37" name="Picture 4" descr="https://mil.ru/images/istoriya-vso-11-f.jpg"/>
           <p:cNvPicPr/>
           <p:nvPr/>
         </p:nvPicPr>
@@ -2128,7 +2972,7 @@
         <p:spPr>
           <a:xfrm>
             <a:off x="4654440" y="1371600"/>
-            <a:ext cx="4104360" cy="3078000"/>
+            <a:ext cx="4104000" cy="3077640"/>
           </a:xfrm>
           <a:prstGeom prst="rect">
             <a:avLst/>
@@ -2171,7 +3015,7 @@
       </p:grpSpPr>
       <p:sp>
         <p:nvSpPr>
-          <p:cNvPr id="30" name="PlaceHolder 1"/>
+          <p:cNvPr id="38" name="PlaceHolder 1"/>
           <p:cNvSpPr>
             <a:spLocks noGrp="1"/>
           </p:cNvSpPr>
@@ -2182,7 +3026,7 @@
         <p:spPr>
           <a:xfrm>
             <a:off x="442800" y="337680"/>
-            <a:ext cx="6254280" cy="438840"/>
+            <a:ext cx="6253920" cy="438480"/>
           </a:xfrm>
           <a:prstGeom prst="rect">
             <a:avLst/>
@@ -2211,6 +3055,7 @@
                 <a:solidFill>
                   <a:srgbClr val="ff9400"/>
                 </a:solidFill>
+                <a:effectLst/>
                 <a:uFillTx/>
                 <a:latin typeface="Arial"/>
                 <a:ea typeface="Arial"/>
@@ -2221,6 +3066,7 @@
               <a:solidFill>
                 <a:srgbClr val="000000"/>
               </a:solidFill>
+              <a:effectLst/>
               <a:uFillTx/>
               <a:latin typeface="Arial"/>
             </a:endParaRPr>
@@ -2229,18 +3075,18 @@
       </p:sp>
       <p:sp>
         <p:nvSpPr>
-          <p:cNvPr id="31" name="PlaceHolder 2"/>
+          <p:cNvPr id="39" name="PlaceHolder 2"/>
           <p:cNvSpPr>
             <a:spLocks noGrp="1"/>
           </p:cNvSpPr>
           <p:nvPr>
-            <p:ph type="sldNum" idx="7"/>
+            <p:ph type="sldNum" idx="9"/>
           </p:nvPr>
         </p:nvSpPr>
         <p:spPr>
           <a:xfrm>
             <a:off x="8704080" y="4816440"/>
-            <a:ext cx="204480" cy="143640"/>
+            <a:ext cx="204120" cy="143280"/>
           </a:xfrm>
           <a:prstGeom prst="rect">
             <a:avLst/>
@@ -2267,6 +3113,7 @@
                 <a:solidFill>
                   <a:srgbClr val="4d4e4f"/>
                 </a:solidFill>
+                <a:effectLst/>
                 <a:uFillTx/>
                 <a:latin typeface="Arial"/>
                 <a:ea typeface="Arial"/>
@@ -2283,11 +3130,12 @@
                 <a:tab algn="l" pos="0"/>
               </a:tabLst>
             </a:pPr>
-            <a:fld id="{11235EC3-9AEC-4A9F-B875-3E2B21B5C83D}" type="slidenum">
+            <a:fld id="{404C1930-C484-4658-840B-B9AE4737CA6B}" type="slidenum">
               <a:rPr b="0" lang="ru" sz="1100" strike="noStrike" u="none">
                 <a:solidFill>
                   <a:srgbClr val="4d4e4f"/>
                 </a:solidFill>
+                <a:effectLst/>
                 <a:uFillTx/>
                 <a:latin typeface="Arial"/>
                 <a:ea typeface="Arial"/>
@@ -2298,6 +3146,7 @@
               <a:solidFill>
                 <a:srgbClr val="000000"/>
               </a:solidFill>
+              <a:effectLst/>
               <a:uFillTx/>
               <a:latin typeface="Times New Roman"/>
             </a:endParaRPr>
@@ -2306,7 +3155,7 @@
       </p:sp>
       <p:pic>
         <p:nvPicPr>
-          <p:cNvPr id="32" name="Picture 5" descr="G:\!DOWNLOADS\sovremennost-vso-3-f.jpg"/>
+          <p:cNvPr id="40" name="Picture 5" descr="G:\!DOWNLOADS\sovremennost-vso-3-f.jpg"/>
           <p:cNvPicPr/>
           <p:nvPr/>
         </p:nvPicPr>
@@ -2317,7 +3166,7 @@
         <p:spPr>
           <a:xfrm>
             <a:off x="457200" y="1467000"/>
-            <a:ext cx="3835440" cy="2876400"/>
+            <a:ext cx="3835080" cy="2876040"/>
           </a:xfrm>
           <a:prstGeom prst="rect">
             <a:avLst/>
@@ -2330,7 +3179,7 @@
       </p:pic>
       <p:pic>
         <p:nvPicPr>
-          <p:cNvPr id="33" name="Picture 6" descr="G:\!DOWNLOADS\sovremennost-vso-5-f.jpg"/>
+          <p:cNvPr id="41" name="Picture 6" descr="G:\!DOWNLOADS\sovremennost-vso-5-f.jpg"/>
           <p:cNvPicPr/>
           <p:nvPr/>
         </p:nvPicPr>
@@ -2341,7 +3190,7 @@
         <p:spPr>
           <a:xfrm>
             <a:off x="4800600" y="1467000"/>
-            <a:ext cx="3835440" cy="2876400"/>
+            <a:ext cx="3835080" cy="2876040"/>
           </a:xfrm>
           <a:prstGeom prst="rect">
             <a:avLst/>
@@ -2384,7 +3233,7 @@
       </p:grpSpPr>
       <p:sp>
         <p:nvSpPr>
-          <p:cNvPr id="34" name="PlaceHolder 1"/>
+          <p:cNvPr id="42" name="PlaceHolder 1"/>
           <p:cNvSpPr>
             <a:spLocks noGrp="1"/>
           </p:cNvSpPr>
@@ -2395,7 +3244,7 @@
         <p:spPr>
           <a:xfrm>
             <a:off x="2514600" y="2302920"/>
-            <a:ext cx="6254280" cy="438840"/>
+            <a:ext cx="6253920" cy="438480"/>
           </a:xfrm>
           <a:prstGeom prst="rect">
             <a:avLst/>
@@ -2424,6 +3273,7 @@
                 <a:solidFill>
                   <a:srgbClr val="ff9400"/>
                 </a:solidFill>
+                <a:effectLst/>
                 <a:uFillTx/>
                 <a:latin typeface="Arial"/>
                 <a:ea typeface="Arial"/>
@@ -2434,6 +3284,7 @@
               <a:solidFill>
                 <a:srgbClr val="000000"/>
               </a:solidFill>
+              <a:effectLst/>
               <a:uFillTx/>
               <a:latin typeface="Arial"/>
             </a:endParaRPr>
@@ -2442,18 +3293,18 @@
       </p:sp>
       <p:sp>
         <p:nvSpPr>
-          <p:cNvPr id="35" name="PlaceHolder 2"/>
+          <p:cNvPr id="43" name="PlaceHolder 2"/>
           <p:cNvSpPr>
             <a:spLocks noGrp="1"/>
           </p:cNvSpPr>
           <p:nvPr>
-            <p:ph type="sldNum" idx="8"/>
+            <p:ph type="sldNum" idx="10"/>
           </p:nvPr>
         </p:nvSpPr>
         <p:spPr>
           <a:xfrm>
             <a:off x="8704080" y="4816440"/>
-            <a:ext cx="204480" cy="143640"/>
+            <a:ext cx="204120" cy="143280"/>
           </a:xfrm>
           <a:prstGeom prst="rect">
             <a:avLst/>
@@ -2480,6 +3331,7 @@
                 <a:solidFill>
                   <a:srgbClr val="4d4e4f"/>
                 </a:solidFill>
+                <a:effectLst/>
                 <a:uFillTx/>
                 <a:latin typeface="Arial"/>
                 <a:ea typeface="Arial"/>
@@ -2496,11 +3348,12 @@
                 <a:tab algn="l" pos="0"/>
               </a:tabLst>
             </a:pPr>
-            <a:fld id="{EFBD6B06-8EF6-4724-BB58-3079E08BA4E7}" type="slidenum">
+            <a:fld id="{9BF22466-E62E-4CCE-9E7E-F52F5AA6D654}" type="slidenum">
               <a:rPr b="0" lang="ru" sz="1100" strike="noStrike" u="none">
                 <a:solidFill>
                   <a:srgbClr val="4d4e4f"/>
                 </a:solidFill>
+                <a:effectLst/>
                 <a:uFillTx/>
                 <a:latin typeface="Arial"/>
                 <a:ea typeface="Arial"/>
@@ -2511,6 +3364,7 @@
               <a:solidFill>
                 <a:srgbClr val="000000"/>
               </a:solidFill>
+              <a:effectLst/>
               <a:uFillTx/>
               <a:latin typeface="Times New Roman"/>
             </a:endParaRPr>
